--- a/docs/diagrams/Diagrams.pptx
+++ b/docs/diagrams/Diagrams.pptx
@@ -240,7 +240,7 @@
           <a:p>
             <a:fld id="{F5CC4B3F-88C1-4FFA-B1B6-F41C21DC6924}" type="datetimeFigureOut">
               <a:rPr lang="en-US" smtClean="0"/>
-              <a:t>11/6/2016</a:t>
+              <a:t>11/25/2016</a:t>
             </a:fld>
             <a:endParaRPr lang="en-US"/>
           </a:p>
@@ -591,6 +591,90 @@
 </p:notes>
 </file>
 
+<file path=ppt/notesSlides/notesSlide2.xml><?xml version="1.0" encoding="utf-8"?>
+<p:notes xmlns:a="http://schemas.openxmlformats.org/drawingml/2006/main" xmlns:r="http://schemas.openxmlformats.org/officeDocument/2006/relationships" xmlns:p="http://schemas.openxmlformats.org/presentationml/2006/main">
+  <p:cSld>
+    <p:spTree>
+      <p:nvGrpSpPr>
+        <p:cNvPr id="1" name=""/>
+        <p:cNvGrpSpPr/>
+        <p:nvPr/>
+      </p:nvGrpSpPr>
+      <p:grpSpPr>
+        <a:xfrm>
+          <a:off x="0" y="0"/>
+          <a:ext cx="0" cy="0"/>
+          <a:chOff x="0" y="0"/>
+          <a:chExt cx="0" cy="0"/>
+        </a:xfrm>
+      </p:grpSpPr>
+      <p:sp>
+        <p:nvSpPr>
+          <p:cNvPr id="2" name="Slide Image Placeholder 1"/>
+          <p:cNvSpPr>
+            <a:spLocks noGrp="1" noRot="1" noChangeAspect="1"/>
+          </p:cNvSpPr>
+          <p:nvPr>
+            <p:ph type="sldImg"/>
+          </p:nvPr>
+        </p:nvSpPr>
+        <p:spPr/>
+      </p:sp>
+      <p:sp>
+        <p:nvSpPr>
+          <p:cNvPr id="3" name="Notes Placeholder 2"/>
+          <p:cNvSpPr>
+            <a:spLocks noGrp="1"/>
+          </p:cNvSpPr>
+          <p:nvPr>
+            <p:ph type="body" idx="1"/>
+          </p:nvPr>
+        </p:nvSpPr>
+        <p:spPr/>
+        <p:txBody>
+          <a:bodyPr/>
+          <a:lstStyle/>
+          <a:p>
+            <a:endParaRPr lang="en-SG" dirty="0"/>
+          </a:p>
+        </p:txBody>
+      </p:sp>
+      <p:sp>
+        <p:nvSpPr>
+          <p:cNvPr id="4" name="Slide Number Placeholder 3"/>
+          <p:cNvSpPr>
+            <a:spLocks noGrp="1"/>
+          </p:cNvSpPr>
+          <p:nvPr>
+            <p:ph type="sldNum" sz="quarter" idx="10"/>
+          </p:nvPr>
+        </p:nvSpPr>
+        <p:spPr/>
+        <p:txBody>
+          <a:bodyPr/>
+          <a:lstStyle/>
+          <a:p>
+            <a:fld id="{5A7AB025-77E3-4BD1-A2FD-B3183DBA47A3}" type="slidenum">
+              <a:rPr lang="en-US" smtClean="0"/>
+              <a:t>11</a:t>
+            </a:fld>
+            <a:endParaRPr lang="en-US"/>
+          </a:p>
+        </p:txBody>
+      </p:sp>
+    </p:spTree>
+    <p:extLst>
+      <p:ext uri="{BB962C8B-B14F-4D97-AF65-F5344CB8AC3E}">
+        <p14:creationId xmlns:p14="http://schemas.microsoft.com/office/powerpoint/2010/main" val="1227581770"/>
+      </p:ext>
+    </p:extLst>
+  </p:cSld>
+  <p:clrMapOvr>
+    <a:masterClrMapping/>
+  </p:clrMapOvr>
+</p:notes>
+</file>
+
 <file path=ppt/slideLayouts/slideLayout1.xml><?xml version="1.0" encoding="utf-8"?>
 <p:sldLayout xmlns:a="http://schemas.openxmlformats.org/drawingml/2006/main" xmlns:r="http://schemas.openxmlformats.org/officeDocument/2006/relationships" xmlns:p="http://schemas.openxmlformats.org/presentationml/2006/main" type="title" preserve="1">
   <p:cSld name="Title Slide">
@@ -770,7 +854,7 @@
           <a:p>
             <a:fld id="{78C97017-6FC3-485B-9764-EAC9E56C1D49}" type="datetimeFigureOut">
               <a:rPr lang="en-US" smtClean="0"/>
-              <a:t>11/6/2016</a:t>
+              <a:t>11/25/2016</a:t>
             </a:fld>
             <a:endParaRPr lang="en-US"/>
           </a:p>
@@ -938,7 +1022,7 @@
           <a:p>
             <a:fld id="{78C97017-6FC3-485B-9764-EAC9E56C1D49}" type="datetimeFigureOut">
               <a:rPr lang="en-US" smtClean="0"/>
-              <a:t>11/6/2016</a:t>
+              <a:t>11/25/2016</a:t>
             </a:fld>
             <a:endParaRPr lang="en-US"/>
           </a:p>
@@ -1116,7 +1200,7 @@
           <a:p>
             <a:fld id="{78C97017-6FC3-485B-9764-EAC9E56C1D49}" type="datetimeFigureOut">
               <a:rPr lang="en-US" smtClean="0"/>
-              <a:t>11/6/2016</a:t>
+              <a:t>11/25/2016</a:t>
             </a:fld>
             <a:endParaRPr lang="en-US"/>
           </a:p>
@@ -1284,7 +1368,7 @@
           <a:p>
             <a:fld id="{78C97017-6FC3-485B-9764-EAC9E56C1D49}" type="datetimeFigureOut">
               <a:rPr lang="en-US" smtClean="0"/>
-              <a:t>11/6/2016</a:t>
+              <a:t>11/25/2016</a:t>
             </a:fld>
             <a:endParaRPr lang="en-US"/>
           </a:p>
@@ -1529,7 +1613,7 @@
           <a:p>
             <a:fld id="{78C97017-6FC3-485B-9764-EAC9E56C1D49}" type="datetimeFigureOut">
               <a:rPr lang="en-US" smtClean="0"/>
-              <a:t>11/6/2016</a:t>
+              <a:t>11/25/2016</a:t>
             </a:fld>
             <a:endParaRPr lang="en-US"/>
           </a:p>
@@ -1814,7 +1898,7 @@
           <a:p>
             <a:fld id="{78C97017-6FC3-485B-9764-EAC9E56C1D49}" type="datetimeFigureOut">
               <a:rPr lang="en-US" smtClean="0"/>
-              <a:t>11/6/2016</a:t>
+              <a:t>11/25/2016</a:t>
             </a:fld>
             <a:endParaRPr lang="en-US"/>
           </a:p>
@@ -2233,7 +2317,7 @@
           <a:p>
             <a:fld id="{78C97017-6FC3-485B-9764-EAC9E56C1D49}" type="datetimeFigureOut">
               <a:rPr lang="en-US" smtClean="0"/>
-              <a:t>11/6/2016</a:t>
+              <a:t>11/25/2016</a:t>
             </a:fld>
             <a:endParaRPr lang="en-US"/>
           </a:p>
@@ -2350,7 +2434,7 @@
           <a:p>
             <a:fld id="{78C97017-6FC3-485B-9764-EAC9E56C1D49}" type="datetimeFigureOut">
               <a:rPr lang="en-US" smtClean="0"/>
-              <a:t>11/6/2016</a:t>
+              <a:t>11/25/2016</a:t>
             </a:fld>
             <a:endParaRPr lang="en-US"/>
           </a:p>
@@ -2445,7 +2529,7 @@
           <a:p>
             <a:fld id="{78C97017-6FC3-485B-9764-EAC9E56C1D49}" type="datetimeFigureOut">
               <a:rPr lang="en-US" smtClean="0"/>
-              <a:t>11/6/2016</a:t>
+              <a:t>11/25/2016</a:t>
             </a:fld>
             <a:endParaRPr lang="en-US"/>
           </a:p>
@@ -2720,7 +2804,7 @@
           <a:p>
             <a:fld id="{78C97017-6FC3-485B-9764-EAC9E56C1D49}" type="datetimeFigureOut">
               <a:rPr lang="en-US" smtClean="0"/>
-              <a:t>11/6/2016</a:t>
+              <a:t>11/25/2016</a:t>
             </a:fld>
             <a:endParaRPr lang="en-US"/>
           </a:p>
@@ -2972,7 +3056,7 @@
           <a:p>
             <a:fld id="{78C97017-6FC3-485B-9764-EAC9E56C1D49}" type="datetimeFigureOut">
               <a:rPr lang="en-US" smtClean="0"/>
-              <a:t>11/6/2016</a:t>
+              <a:t>11/25/2016</a:t>
             </a:fld>
             <a:endParaRPr lang="en-US"/>
           </a:p>
@@ -3183,7 +3267,7 @@
           <a:p>
             <a:fld id="{78C97017-6FC3-485B-9764-EAC9E56C1D49}" type="datetimeFigureOut">
               <a:rPr lang="en-US" smtClean="0"/>
-              <a:t>11/6/2016</a:t>
+              <a:t>11/25/2016</a:t>
             </a:fld>
             <a:endParaRPr lang="en-US"/>
           </a:p>
@@ -3699,8 +3783,8 @@
         </p:nvCxnSpPr>
         <p:spPr>
           <a:xfrm>
-            <a:off x="1658677" y="971597"/>
-            <a:ext cx="0" cy="1723059"/>
+            <a:off x="1658677" y="971596"/>
+            <a:ext cx="0" cy="2160000"/>
           </a:xfrm>
           <a:prstGeom prst="line">
             <a:avLst/>
@@ -4065,8 +4149,8 @@
         </p:nvCxnSpPr>
         <p:spPr>
           <a:xfrm>
-            <a:off x="3882400" y="975284"/>
-            <a:ext cx="3996" cy="458193"/>
+            <a:off x="3882400" y="975283"/>
+            <a:ext cx="3996" cy="2160000"/>
           </a:xfrm>
           <a:prstGeom prst="line">
             <a:avLst/>
@@ -4214,8 +4298,8 @@
         </p:nvCxnSpPr>
         <p:spPr>
           <a:xfrm>
-            <a:off x="5863600" y="971597"/>
-            <a:ext cx="2935" cy="566811"/>
+            <a:off x="5863600" y="971596"/>
+            <a:ext cx="2935" cy="2160000"/>
           </a:xfrm>
           <a:prstGeom prst="line">
             <a:avLst/>
@@ -4252,7 +4336,7 @@
         <p:spPr>
           <a:xfrm>
             <a:off x="5791592" y="1538408"/>
-            <a:ext cx="149886" cy="965432"/>
+            <a:ext cx="149886" cy="1036800"/>
           </a:xfrm>
           <a:prstGeom prst="rect">
             <a:avLst/>
@@ -4591,7 +4675,7 @@
         </p:nvCxnSpPr>
         <p:spPr>
           <a:xfrm>
-            <a:off x="3954408" y="2497421"/>
+            <a:off x="3954408" y="2572328"/>
             <a:ext cx="1939136" cy="0"/>
           </a:xfrm>
           <a:prstGeom prst="straightConnector1">
@@ -4629,7 +4713,7 @@
         </p:nvCxnSpPr>
         <p:spPr>
           <a:xfrm>
-            <a:off x="1739069" y="2266002"/>
+            <a:off x="1739069" y="2667000"/>
             <a:ext cx="2172331" cy="0"/>
           </a:xfrm>
           <a:prstGeom prst="straightConnector1">
@@ -4667,7 +4751,7 @@
         </p:nvCxnSpPr>
         <p:spPr>
           <a:xfrm>
-            <a:off x="390618" y="2342202"/>
+            <a:off x="390618" y="2819400"/>
             <a:ext cx="1262424" cy="0"/>
           </a:xfrm>
           <a:prstGeom prst="straightConnector1">
@@ -4778,8 +4862,8 @@
         </p:nvCxnSpPr>
         <p:spPr>
           <a:xfrm flipH="1">
-            <a:off x="8619737" y="971597"/>
-            <a:ext cx="14403" cy="1280987"/>
+            <a:off x="8619737" y="971596"/>
+            <a:ext cx="14403" cy="2160000"/>
           </a:xfrm>
           <a:prstGeom prst="line">
             <a:avLst/>
@@ -4910,7 +4994,7 @@
         </p:nvCxnSpPr>
         <p:spPr>
           <a:xfrm>
-            <a:off x="5943992" y="2429371"/>
+            <a:off x="5943992" y="2514600"/>
             <a:ext cx="2691452" cy="0"/>
           </a:xfrm>
           <a:prstGeom prst="straightConnector1">
@@ -5527,8 +5611,8 @@
         </p:nvCxnSpPr>
         <p:spPr>
           <a:xfrm flipH="1">
-            <a:off x="314394" y="1099672"/>
-            <a:ext cx="24" cy="1598671"/>
+            <a:off x="314394" y="1099671"/>
+            <a:ext cx="24" cy="2160000"/>
           </a:xfrm>
           <a:prstGeom prst="line">
             <a:avLst/>
@@ -6381,7 +6465,7 @@
         <p:spPr>
           <a:xfrm>
             <a:off x="1673862" y="961474"/>
-            <a:ext cx="1" cy="360818"/>
+            <a:ext cx="1" cy="1440000"/>
           </a:xfrm>
           <a:prstGeom prst="line">
             <a:avLst/>
@@ -6747,7 +6831,7 @@
         <p:spPr>
           <a:xfrm>
             <a:off x="3882400" y="975284"/>
-            <a:ext cx="10390" cy="458194"/>
+            <a:ext cx="10390" cy="1440000"/>
           </a:xfrm>
           <a:prstGeom prst="line">
             <a:avLst/>
@@ -6968,7 +7052,7 @@
         </p:nvCxnSpPr>
         <p:spPr>
           <a:xfrm>
-            <a:off x="3954408" y="1538409"/>
+            <a:off x="3954408" y="1658477"/>
             <a:ext cx="2408938" cy="22692"/>
           </a:xfrm>
           <a:prstGeom prst="straightConnector1">
@@ -7004,7 +7088,7 @@
         </p:nvSpPr>
         <p:spPr>
           <a:xfrm>
-            <a:off x="4037343" y="1572987"/>
+            <a:off x="4037343" y="1683819"/>
             <a:ext cx="2000712" cy="215444"/>
           </a:xfrm>
           <a:prstGeom prst="rect">
@@ -7051,82 +7135,6 @@
           </a:p>
         </p:txBody>
       </p:sp>
-      <p:cxnSp>
-        <p:nvCxnSpPr>
-          <p:cNvPr id="35" name="Straight Arrow Connector 34"/>
-          <p:cNvCxnSpPr/>
-          <p:nvPr/>
-        </p:nvCxnSpPr>
-        <p:spPr>
-          <a:xfrm>
-            <a:off x="1753007" y="1969747"/>
-            <a:ext cx="2172331" cy="0"/>
-          </a:xfrm>
-          <a:prstGeom prst="straightConnector1">
-            <a:avLst/>
-          </a:prstGeom>
-          <a:ln w="19050">
-            <a:solidFill>
-              <a:srgbClr val="0070C0"/>
-            </a:solidFill>
-            <a:prstDash val="sysDash"/>
-            <a:headEnd type="arrow" w="med" len="med"/>
-            <a:tailEnd type="none" w="med" len="med"/>
-          </a:ln>
-        </p:spPr>
-        <p:style>
-          <a:lnRef idx="1">
-            <a:schemeClr val="accent1"/>
-          </a:lnRef>
-          <a:fillRef idx="0">
-            <a:schemeClr val="accent1"/>
-          </a:fillRef>
-          <a:effectRef idx="0">
-            <a:schemeClr val="accent1"/>
-          </a:effectRef>
-          <a:fontRef idx="minor">
-            <a:schemeClr val="tx1"/>
-          </a:fontRef>
-        </p:style>
-      </p:cxnSp>
-      <p:cxnSp>
-        <p:nvCxnSpPr>
-          <p:cNvPr id="37" name="Straight Arrow Connector 36"/>
-          <p:cNvCxnSpPr/>
-          <p:nvPr/>
-        </p:nvCxnSpPr>
-        <p:spPr>
-          <a:xfrm>
-            <a:off x="337776" y="2150594"/>
-            <a:ext cx="1262424" cy="0"/>
-          </a:xfrm>
-          <a:prstGeom prst="straightConnector1">
-            <a:avLst/>
-          </a:prstGeom>
-          <a:ln w="19050">
-            <a:solidFill>
-              <a:srgbClr val="00B050"/>
-            </a:solidFill>
-            <a:prstDash val="sysDash"/>
-            <a:headEnd type="arrow" w="med" len="med"/>
-            <a:tailEnd type="none" w="med" len="med"/>
-          </a:ln>
-        </p:spPr>
-        <p:style>
-          <a:lnRef idx="1">
-            <a:schemeClr val="accent1"/>
-          </a:lnRef>
-          <a:fillRef idx="0">
-            <a:schemeClr val="accent1"/>
-          </a:fillRef>
-          <a:effectRef idx="0">
-            <a:schemeClr val="accent1"/>
-          </a:effectRef>
-          <a:fontRef idx="minor">
-            <a:schemeClr val="tx1"/>
-          </a:fontRef>
-        </p:style>
-      </p:cxnSp>
       <p:sp>
         <p:nvSpPr>
           <p:cNvPr id="39" name="Rectangle 62"/>
@@ -7209,8 +7217,8 @@
         </p:nvCxnSpPr>
         <p:spPr>
           <a:xfrm>
-            <a:off x="6363346" y="973736"/>
-            <a:ext cx="0" cy="715893"/>
+            <a:off x="6363346" y="973735"/>
+            <a:ext cx="0" cy="1440000"/>
           </a:xfrm>
           <a:prstGeom prst="line">
             <a:avLst/>
@@ -7295,46 +7303,6 @@
           </a:p>
         </p:txBody>
       </p:sp>
-      <p:cxnSp>
-        <p:nvCxnSpPr>
-          <p:cNvPr id="44" name="Straight Arrow Connector 43"/>
-          <p:cNvCxnSpPr/>
-          <p:nvPr/>
-        </p:nvCxnSpPr>
-        <p:spPr>
-          <a:xfrm>
-            <a:off x="3962400" y="1820637"/>
-            <a:ext cx="2400946" cy="0"/>
-          </a:xfrm>
-          <a:prstGeom prst="straightConnector1">
-            <a:avLst/>
-          </a:prstGeom>
-          <a:ln w="19050">
-            <a:solidFill>
-              <a:schemeClr val="accent5">
-                <a:lumMod val="75000"/>
-              </a:schemeClr>
-            </a:solidFill>
-            <a:prstDash val="sysDash"/>
-            <a:headEnd type="arrow" w="med" len="med"/>
-            <a:tailEnd type="none" w="med" len="med"/>
-          </a:ln>
-        </p:spPr>
-        <p:style>
-          <a:lnRef idx="1">
-            <a:schemeClr val="accent1"/>
-          </a:lnRef>
-          <a:fillRef idx="0">
-            <a:schemeClr val="accent1"/>
-          </a:fillRef>
-          <a:effectRef idx="0">
-            <a:schemeClr val="accent1"/>
-          </a:effectRef>
-          <a:fontRef idx="minor">
-            <a:schemeClr val="tx1"/>
-          </a:fontRef>
-        </p:style>
-      </p:cxnSp>
       <p:sp>
         <p:nvSpPr>
           <p:cNvPr id="62" name="TextBox 61"/>
@@ -7470,9 +7438,9 @@
           <p:nvPr/>
         </p:nvCxnSpPr>
         <p:spPr>
-          <a:xfrm flipH="1">
-            <a:off x="4455726" y="4648287"/>
-            <a:ext cx="1005" cy="1459690"/>
+          <a:xfrm>
+            <a:off x="4456732" y="4648287"/>
+            <a:ext cx="14884" cy="1440000"/>
           </a:xfrm>
           <a:prstGeom prst="line">
             <a:avLst/>
@@ -7510,8 +7478,8 @@
         </p:nvSpPr>
         <p:spPr>
           <a:xfrm>
-            <a:off x="4384723" y="5071220"/>
-            <a:ext cx="142006" cy="1036757"/>
+            <a:off x="4384723" y="5071221"/>
+            <a:ext cx="173786" cy="599252"/>
           </a:xfrm>
           <a:prstGeom prst="rect">
             <a:avLst/>
@@ -7604,7 +7572,7 @@
         <p:spPr>
           <a:xfrm flipH="1">
             <a:off x="308154" y="1151580"/>
-            <a:ext cx="6264" cy="1039170"/>
+            <a:ext cx="6264" cy="1800000"/>
           </a:xfrm>
           <a:prstGeom prst="line">
             <a:avLst/>
@@ -7699,8 +7667,8 @@
         </p:nvCxnSpPr>
         <p:spPr>
           <a:xfrm flipH="1">
-            <a:off x="1261716" y="4641993"/>
-            <a:ext cx="6735" cy="1301607"/>
+            <a:off x="1261716" y="4641992"/>
+            <a:ext cx="6735" cy="1440000"/>
           </a:xfrm>
           <a:prstGeom prst="line">
             <a:avLst/>
@@ -8055,6 +8023,266 @@
           </a:p>
         </p:txBody>
       </p:sp>
+      <p:sp>
+        <p:nvSpPr>
+          <p:cNvPr id="3" name="Cross 2"/>
+          <p:cNvSpPr>
+            <a:spLocks noChangeAspect="1"/>
+          </p:cNvSpPr>
+          <p:nvPr/>
+        </p:nvSpPr>
+        <p:spPr>
+          <a:xfrm rot="2657961">
+            <a:off x="1536701" y="2320937"/>
+            <a:ext cx="274320" cy="274320"/>
+          </a:xfrm>
+          <a:prstGeom prst="plus">
+            <a:avLst>
+              <a:gd name="adj" fmla="val 50000"/>
+            </a:avLst>
+          </a:prstGeom>
+          <a:solidFill>
+            <a:srgbClr val="FF0000"/>
+          </a:solidFill>
+          <a:ln>
+            <a:solidFill>
+              <a:srgbClr val="FF0000"/>
+            </a:solidFill>
+          </a:ln>
+        </p:spPr>
+        <p:style>
+          <a:lnRef idx="2">
+            <a:schemeClr val="accent1">
+              <a:shade val="50000"/>
+            </a:schemeClr>
+          </a:lnRef>
+          <a:fillRef idx="1">
+            <a:schemeClr val="accent1"/>
+          </a:fillRef>
+          <a:effectRef idx="0">
+            <a:schemeClr val="accent1"/>
+          </a:effectRef>
+          <a:fontRef idx="minor">
+            <a:schemeClr val="lt1"/>
+          </a:fontRef>
+        </p:style>
+        <p:txBody>
+          <a:bodyPr rtlCol="0" anchor="ctr"/>
+          <a:lstStyle/>
+          <a:p>
+            <a:pPr algn="ctr"/>
+            <a:endParaRPr lang="en-SG"/>
+          </a:p>
+        </p:txBody>
+      </p:sp>
+      <p:sp>
+        <p:nvSpPr>
+          <p:cNvPr id="51" name="Cross 50"/>
+          <p:cNvSpPr>
+            <a:spLocks noChangeAspect="1"/>
+          </p:cNvSpPr>
+          <p:nvPr/>
+        </p:nvSpPr>
+        <p:spPr>
+          <a:xfrm rot="2657961">
+            <a:off x="3743690" y="2325957"/>
+            <a:ext cx="274320" cy="274320"/>
+          </a:xfrm>
+          <a:prstGeom prst="plus">
+            <a:avLst>
+              <a:gd name="adj" fmla="val 50000"/>
+            </a:avLst>
+          </a:prstGeom>
+          <a:solidFill>
+            <a:srgbClr val="FF0000"/>
+          </a:solidFill>
+          <a:ln>
+            <a:solidFill>
+              <a:srgbClr val="FF0000"/>
+            </a:solidFill>
+          </a:ln>
+        </p:spPr>
+        <p:style>
+          <a:lnRef idx="2">
+            <a:schemeClr val="accent1">
+              <a:shade val="50000"/>
+            </a:schemeClr>
+          </a:lnRef>
+          <a:fillRef idx="1">
+            <a:schemeClr val="accent1"/>
+          </a:fillRef>
+          <a:effectRef idx="0">
+            <a:schemeClr val="accent1"/>
+          </a:effectRef>
+          <a:fontRef idx="minor">
+            <a:schemeClr val="lt1"/>
+          </a:fontRef>
+        </p:style>
+        <p:txBody>
+          <a:bodyPr rtlCol="0" anchor="ctr"/>
+          <a:lstStyle/>
+          <a:p>
+            <a:pPr algn="ctr"/>
+            <a:endParaRPr lang="en-SG"/>
+          </a:p>
+        </p:txBody>
+      </p:sp>
+      <p:sp>
+        <p:nvSpPr>
+          <p:cNvPr id="52" name="Cross 51"/>
+          <p:cNvSpPr>
+            <a:spLocks noChangeAspect="1"/>
+          </p:cNvSpPr>
+          <p:nvPr/>
+        </p:nvSpPr>
+        <p:spPr>
+          <a:xfrm rot="2657961">
+            <a:off x="6226186" y="2307615"/>
+            <a:ext cx="274320" cy="274320"/>
+          </a:xfrm>
+          <a:prstGeom prst="plus">
+            <a:avLst>
+              <a:gd name="adj" fmla="val 50000"/>
+            </a:avLst>
+          </a:prstGeom>
+          <a:solidFill>
+            <a:srgbClr val="FF0000"/>
+          </a:solidFill>
+          <a:ln>
+            <a:solidFill>
+              <a:srgbClr val="FF0000"/>
+            </a:solidFill>
+          </a:ln>
+        </p:spPr>
+        <p:style>
+          <a:lnRef idx="2">
+            <a:schemeClr val="accent1">
+              <a:shade val="50000"/>
+            </a:schemeClr>
+          </a:lnRef>
+          <a:fillRef idx="1">
+            <a:schemeClr val="accent1"/>
+          </a:fillRef>
+          <a:effectRef idx="0">
+            <a:schemeClr val="accent1"/>
+          </a:effectRef>
+          <a:fontRef idx="minor">
+            <a:schemeClr val="lt1"/>
+          </a:fontRef>
+        </p:style>
+        <p:txBody>
+          <a:bodyPr rtlCol="0" anchor="ctr"/>
+          <a:lstStyle/>
+          <a:p>
+            <a:pPr algn="ctr"/>
+            <a:endParaRPr lang="en-SG"/>
+          </a:p>
+        </p:txBody>
+      </p:sp>
+      <p:sp>
+        <p:nvSpPr>
+          <p:cNvPr id="53" name="Cross 52"/>
+          <p:cNvSpPr>
+            <a:spLocks noChangeAspect="1"/>
+          </p:cNvSpPr>
+          <p:nvPr/>
+        </p:nvSpPr>
+        <p:spPr>
+          <a:xfrm rot="2657961">
+            <a:off x="4334455" y="6035335"/>
+            <a:ext cx="274320" cy="274320"/>
+          </a:xfrm>
+          <a:prstGeom prst="plus">
+            <a:avLst>
+              <a:gd name="adj" fmla="val 50000"/>
+            </a:avLst>
+          </a:prstGeom>
+          <a:solidFill>
+            <a:srgbClr val="FF0000"/>
+          </a:solidFill>
+          <a:ln>
+            <a:solidFill>
+              <a:srgbClr val="FF0000"/>
+            </a:solidFill>
+          </a:ln>
+        </p:spPr>
+        <p:style>
+          <a:lnRef idx="2">
+            <a:schemeClr val="accent1">
+              <a:shade val="50000"/>
+            </a:schemeClr>
+          </a:lnRef>
+          <a:fillRef idx="1">
+            <a:schemeClr val="accent1"/>
+          </a:fillRef>
+          <a:effectRef idx="0">
+            <a:schemeClr val="accent1"/>
+          </a:effectRef>
+          <a:fontRef idx="minor">
+            <a:schemeClr val="lt1"/>
+          </a:fontRef>
+        </p:style>
+        <p:txBody>
+          <a:bodyPr rtlCol="0" anchor="ctr"/>
+          <a:lstStyle/>
+          <a:p>
+            <a:pPr algn="ctr"/>
+            <a:endParaRPr lang="en-SG"/>
+          </a:p>
+        </p:txBody>
+      </p:sp>
+      <p:sp>
+        <p:nvSpPr>
+          <p:cNvPr id="54" name="Cross 53"/>
+          <p:cNvSpPr>
+            <a:spLocks noChangeAspect="1"/>
+          </p:cNvSpPr>
+          <p:nvPr/>
+        </p:nvSpPr>
+        <p:spPr>
+          <a:xfrm rot="2657961">
+            <a:off x="1132551" y="6035335"/>
+            <a:ext cx="274320" cy="274320"/>
+          </a:xfrm>
+          <a:prstGeom prst="plus">
+            <a:avLst>
+              <a:gd name="adj" fmla="val 50000"/>
+            </a:avLst>
+          </a:prstGeom>
+          <a:solidFill>
+            <a:srgbClr val="FF0000"/>
+          </a:solidFill>
+          <a:ln>
+            <a:solidFill>
+              <a:srgbClr val="FF0000"/>
+            </a:solidFill>
+          </a:ln>
+        </p:spPr>
+        <p:style>
+          <a:lnRef idx="2">
+            <a:schemeClr val="accent1">
+              <a:shade val="50000"/>
+            </a:schemeClr>
+          </a:lnRef>
+          <a:fillRef idx="1">
+            <a:schemeClr val="accent1"/>
+          </a:fillRef>
+          <a:effectRef idx="0">
+            <a:schemeClr val="accent1"/>
+          </a:effectRef>
+          <a:fontRef idx="minor">
+            <a:schemeClr val="lt1"/>
+          </a:fontRef>
+        </p:style>
+        <p:txBody>
+          <a:bodyPr rtlCol="0" anchor="ctr"/>
+          <a:lstStyle/>
+          <a:p>
+            <a:pPr algn="ctr"/>
+            <a:endParaRPr lang="en-SG"/>
+          </a:p>
+        </p:txBody>
+      </p:sp>
     </p:spTree>
     <p:extLst>
       <p:ext uri="{BB962C8B-B14F-4D97-AF65-F5344CB8AC3E}">
@@ -8152,8 +8380,8 @@
         </p:nvCxnSpPr>
         <p:spPr>
           <a:xfrm>
-            <a:off x="1658677" y="971597"/>
-            <a:ext cx="0" cy="1723059"/>
+            <a:off x="1658677" y="971596"/>
+            <a:ext cx="0" cy="2160000"/>
           </a:xfrm>
           <a:prstGeom prst="line">
             <a:avLst/>
@@ -8518,8 +8746,8 @@
         </p:nvCxnSpPr>
         <p:spPr>
           <a:xfrm>
-            <a:off x="3882400" y="975284"/>
-            <a:ext cx="3996" cy="458193"/>
+            <a:off x="3882400" y="975283"/>
+            <a:ext cx="3996" cy="2160000"/>
           </a:xfrm>
           <a:prstGeom prst="line">
             <a:avLst/>
@@ -8667,8 +8895,8 @@
         </p:nvCxnSpPr>
         <p:spPr>
           <a:xfrm>
-            <a:off x="5863600" y="971597"/>
-            <a:ext cx="2935" cy="566811"/>
+            <a:off x="5863600" y="971596"/>
+            <a:ext cx="2935" cy="2160000"/>
           </a:xfrm>
           <a:prstGeom prst="line">
             <a:avLst/>
@@ -8705,7 +8933,7 @@
         <p:spPr>
           <a:xfrm>
             <a:off x="5791592" y="1538408"/>
-            <a:ext cx="149886" cy="965432"/>
+            <a:ext cx="149886" cy="450000"/>
           </a:xfrm>
           <a:prstGeom prst="rect">
             <a:avLst/>
@@ -8966,7 +9194,7 @@
         </p:nvSpPr>
         <p:spPr>
           <a:xfrm>
-            <a:off x="6074030" y="1979038"/>
+            <a:off x="6019800" y="1676400"/>
             <a:ext cx="2573716" cy="215444"/>
           </a:xfrm>
           <a:prstGeom prst="rect">
@@ -9021,7 +9249,7 @@
         </p:nvCxnSpPr>
         <p:spPr>
           <a:xfrm>
-            <a:off x="3954408" y="2497421"/>
+            <a:off x="3925338" y="1981200"/>
             <a:ext cx="1939136" cy="0"/>
           </a:xfrm>
           <a:prstGeom prst="straightConnector1">
@@ -9059,7 +9287,7 @@
         </p:nvCxnSpPr>
         <p:spPr>
           <a:xfrm>
-            <a:off x="1739069" y="2266002"/>
+            <a:off x="1739069" y="2667000"/>
             <a:ext cx="2172331" cy="0"/>
           </a:xfrm>
           <a:prstGeom prst="straightConnector1">
@@ -9097,7 +9325,7 @@
         </p:nvCxnSpPr>
         <p:spPr>
           <a:xfrm>
-            <a:off x="390618" y="2342202"/>
+            <a:off x="390618" y="2819400"/>
             <a:ext cx="1262424" cy="0"/>
           </a:xfrm>
           <a:prstGeom prst="straightConnector1">
@@ -9201,15 +9429,13 @@
       <p:cxnSp>
         <p:nvCxnSpPr>
           <p:cNvPr id="40" name="Straight Connector 39"/>
-          <p:cNvCxnSpPr>
-            <a:endCxn id="41" idx="0"/>
-          </p:cNvCxnSpPr>
+          <p:cNvCxnSpPr/>
           <p:nvPr/>
         </p:nvCxnSpPr>
         <p:spPr>
           <a:xfrm flipH="1">
-            <a:off x="8619737" y="971597"/>
-            <a:ext cx="14403" cy="1280987"/>
+            <a:off x="8619737" y="928812"/>
+            <a:ext cx="14403" cy="2160000"/>
           </a:xfrm>
           <a:prstGeom prst="line">
             <a:avLst/>
@@ -9247,7 +9473,7 @@
         </p:nvSpPr>
         <p:spPr>
           <a:xfrm>
-            <a:off x="8544794" y="2252584"/>
+            <a:off x="8544794" y="1645146"/>
             <a:ext cx="149886" cy="262016"/>
           </a:xfrm>
           <a:prstGeom prst="rect">
@@ -9304,7 +9530,7 @@
         </p:nvCxnSpPr>
         <p:spPr>
           <a:xfrm>
-            <a:off x="5943992" y="2252584"/>
+            <a:off x="5943992" y="1645146"/>
             <a:ext cx="2675745" cy="0"/>
           </a:xfrm>
           <a:prstGeom prst="straightConnector1">
@@ -9340,7 +9566,7 @@
         </p:nvCxnSpPr>
         <p:spPr>
           <a:xfrm>
-            <a:off x="5943992" y="2429371"/>
+            <a:off x="5943992" y="1907162"/>
             <a:ext cx="2691452" cy="0"/>
           </a:xfrm>
           <a:prstGeom prst="straightConnector1">
@@ -9957,8 +10183,8 @@
         </p:nvCxnSpPr>
         <p:spPr>
           <a:xfrm flipH="1">
-            <a:off x="314394" y="1099672"/>
-            <a:ext cx="24" cy="1598671"/>
+            <a:off x="314394" y="1099671"/>
+            <a:ext cx="24" cy="2160000"/>
           </a:xfrm>
           <a:prstGeom prst="line">
             <a:avLst/>
@@ -10661,42 +10887,6 @@
           </a:p>
         </p:txBody>
       </p:sp>
-      <p:cxnSp>
-        <p:nvCxnSpPr>
-          <p:cNvPr id="101" name="Straight Arrow Connector 100"/>
-          <p:cNvCxnSpPr/>
-          <p:nvPr/>
-        </p:nvCxnSpPr>
-        <p:spPr>
-          <a:xfrm flipH="1">
-            <a:off x="3962400" y="1758027"/>
-            <a:ext cx="1904134" cy="0"/>
-          </a:xfrm>
-          <a:prstGeom prst="straightConnector1">
-            <a:avLst/>
-          </a:prstGeom>
-          <a:ln w="19050">
-            <a:solidFill>
-              <a:srgbClr val="7030A0"/>
-            </a:solidFill>
-            <a:tailEnd type="arrow"/>
-          </a:ln>
-        </p:spPr>
-        <p:style>
-          <a:lnRef idx="1">
-            <a:schemeClr val="accent1"/>
-          </a:lnRef>
-          <a:fillRef idx="0">
-            <a:schemeClr val="accent1"/>
-          </a:fillRef>
-          <a:effectRef idx="0">
-            <a:schemeClr val="accent1"/>
-          </a:effectRef>
-          <a:fontRef idx="minor">
-            <a:schemeClr val="tx1"/>
-          </a:fontRef>
-        </p:style>
-      </p:cxnSp>
       <p:sp>
         <p:nvSpPr>
           <p:cNvPr id="107" name="TextBox 106"/>
@@ -10705,7 +10895,7 @@
         </p:nvSpPr>
         <p:spPr>
           <a:xfrm>
-            <a:off x="4219788" y="1751925"/>
+            <a:off x="2407484" y="1945068"/>
             <a:ext cx="1503916" cy="430887"/>
           </a:xfrm>
           <a:prstGeom prst="rect">
@@ -10745,44 +10935,169 @@
           </a:p>
         </p:txBody>
       </p:sp>
-      <p:cxnSp>
-        <p:nvCxnSpPr>
-          <p:cNvPr id="108" name="Straight Arrow Connector 107"/>
-          <p:cNvCxnSpPr/>
-          <p:nvPr/>
-        </p:nvCxnSpPr>
-        <p:spPr>
-          <a:xfrm flipH="1">
-            <a:off x="3827675" y="2194482"/>
-            <a:ext cx="1960564" cy="0"/>
-          </a:xfrm>
-          <a:prstGeom prst="straightConnector1">
-            <a:avLst/>
-          </a:prstGeom>
-          <a:ln w="19050">
-            <a:solidFill>
-              <a:srgbClr val="0070C0"/>
-            </a:solidFill>
-            <a:prstDash val="sysDash"/>
-            <a:headEnd type="arrow" w="med" len="med"/>
-            <a:tailEnd type="none" w="med" len="med"/>
-          </a:ln>
-        </p:spPr>
-        <p:style>
-          <a:lnRef idx="1">
-            <a:schemeClr val="accent1"/>
-          </a:lnRef>
-          <a:fillRef idx="0">
-            <a:schemeClr val="accent1"/>
-          </a:fillRef>
-          <a:effectRef idx="0">
-            <a:schemeClr val="accent1"/>
-          </a:effectRef>
-          <a:fontRef idx="minor">
-            <a:schemeClr val="tx1"/>
-          </a:fontRef>
-        </p:style>
-      </p:cxnSp>
+      <p:grpSp>
+        <p:nvGrpSpPr>
+          <p:cNvPr id="64" name="Group 63"/>
+          <p:cNvGrpSpPr/>
+          <p:nvPr/>
+        </p:nvGrpSpPr>
+        <p:grpSpPr>
+          <a:xfrm>
+            <a:off x="3638706" y="2059446"/>
+            <a:ext cx="217349" cy="270072"/>
+            <a:chOff x="1028134" y="5612032"/>
+            <a:chExt cx="217349" cy="270072"/>
+          </a:xfrm>
+          <a:solidFill>
+            <a:srgbClr val="0070C0"/>
+          </a:solidFill>
+        </p:grpSpPr>
+        <p:sp>
+          <p:nvSpPr>
+            <p:cNvPr id="65" name="Freeform 11"/>
+            <p:cNvSpPr/>
+            <p:nvPr/>
+          </p:nvSpPr>
+          <p:spPr>
+            <a:xfrm rot="2600998" flipH="1" flipV="1">
+              <a:off x="1028134" y="5612032"/>
+              <a:ext cx="167452" cy="116880"/>
+            </a:xfrm>
+            <a:custGeom>
+              <a:avLst/>
+              <a:gdLst>
+                <a:gd name="connsiteX0" fmla="*/ 0 w 226400"/>
+                <a:gd name="connsiteY0" fmla="*/ 32920 h 171466"/>
+                <a:gd name="connsiteX1" fmla="*/ 157018 w 226400"/>
+                <a:gd name="connsiteY1" fmla="*/ 5211 h 171466"/>
+                <a:gd name="connsiteX2" fmla="*/ 221673 w 226400"/>
+                <a:gd name="connsiteY2" fmla="*/ 125284 h 171466"/>
+                <a:gd name="connsiteX3" fmla="*/ 36945 w 226400"/>
+                <a:gd name="connsiteY3" fmla="*/ 171466 h 171466"/>
+              </a:gdLst>
+              <a:ahLst/>
+              <a:cxnLst>
+                <a:cxn ang="0">
+                  <a:pos x="connsiteX0" y="connsiteY0"/>
+                </a:cxn>
+                <a:cxn ang="0">
+                  <a:pos x="connsiteX1" y="connsiteY1"/>
+                </a:cxn>
+                <a:cxn ang="0">
+                  <a:pos x="connsiteX2" y="connsiteY2"/>
+                </a:cxn>
+                <a:cxn ang="0">
+                  <a:pos x="connsiteX3" y="connsiteY3"/>
+                </a:cxn>
+              </a:cxnLst>
+              <a:rect l="l" t="t" r="r" b="b"/>
+              <a:pathLst>
+                <a:path w="226400" h="171466">
+                  <a:moveTo>
+                    <a:pt x="0" y="32920"/>
+                  </a:moveTo>
+                  <a:cubicBezTo>
+                    <a:pt x="60036" y="11368"/>
+                    <a:pt x="120073" y="-10183"/>
+                    <a:pt x="157018" y="5211"/>
+                  </a:cubicBezTo>
+                  <a:cubicBezTo>
+                    <a:pt x="193963" y="20605"/>
+                    <a:pt x="241685" y="97575"/>
+                    <a:pt x="221673" y="125284"/>
+                  </a:cubicBezTo>
+                  <a:cubicBezTo>
+                    <a:pt x="201661" y="152993"/>
+                    <a:pt x="119303" y="162229"/>
+                    <a:pt x="36945" y="171466"/>
+                  </a:cubicBezTo>
+                </a:path>
+              </a:pathLst>
+            </a:custGeom>
+            <a:solidFill>
+              <a:schemeClr val="bg1"/>
+            </a:solidFill>
+            <a:ln w="19050">
+              <a:solidFill>
+                <a:srgbClr val="0070C0"/>
+              </a:solidFill>
+              <a:headEnd type="arrow" w="med" len="med"/>
+              <a:tailEnd type="none" w="med" len="med"/>
+            </a:ln>
+          </p:spPr>
+          <p:style>
+            <a:lnRef idx="1">
+              <a:schemeClr val="accent1"/>
+            </a:lnRef>
+            <a:fillRef idx="0">
+              <a:schemeClr val="accent1"/>
+            </a:fillRef>
+            <a:effectRef idx="0">
+              <a:schemeClr val="accent1"/>
+            </a:effectRef>
+            <a:fontRef idx="minor">
+              <a:schemeClr val="tx1"/>
+            </a:fontRef>
+          </p:style>
+          <p:txBody>
+            <a:bodyPr rtlCol="0" anchor="ctr"/>
+            <a:lstStyle/>
+            <a:p>
+              <a:pPr algn="ctr"/>
+              <a:endParaRPr lang="en-SG"/>
+            </a:p>
+          </p:txBody>
+        </p:sp>
+        <p:sp>
+          <p:nvSpPr>
+            <p:cNvPr id="71" name="Rectangle 70"/>
+            <p:cNvSpPr/>
+            <p:nvPr/>
+          </p:nvSpPr>
+          <p:spPr>
+            <a:xfrm>
+              <a:off x="1147403" y="5712513"/>
+              <a:ext cx="98080" cy="169591"/>
+            </a:xfrm>
+            <a:prstGeom prst="rect">
+              <a:avLst/>
+            </a:prstGeom>
+            <a:grpFill/>
+            <a:ln>
+              <a:solidFill>
+                <a:schemeClr val="bg1"/>
+              </a:solidFill>
+            </a:ln>
+            <a:effectLst/>
+          </p:spPr>
+          <p:style>
+            <a:lnRef idx="1">
+              <a:schemeClr val="accent3"/>
+            </a:lnRef>
+            <a:fillRef idx="2">
+              <a:schemeClr val="accent3"/>
+            </a:fillRef>
+            <a:effectRef idx="1">
+              <a:schemeClr val="accent3"/>
+            </a:effectRef>
+            <a:fontRef idx="minor">
+              <a:schemeClr val="dk1"/>
+            </a:fontRef>
+          </p:style>
+          <p:txBody>
+            <a:bodyPr rtlCol="0" anchor="ctr"/>
+            <a:lstStyle/>
+            <a:p>
+              <a:pPr algn="ctr"/>
+              <a:endParaRPr lang="en-SG" sz="1400">
+                <a:solidFill>
+                  <a:schemeClr val="dk1"/>
+                </a:solidFill>
+              </a:endParaRPr>
+            </a:p>
+          </p:txBody>
+        </p:sp>
+      </p:grpSp>
     </p:spTree>
     <p:extLst>
       <p:ext uri="{BB962C8B-B14F-4D97-AF65-F5344CB8AC3E}">
@@ -10821,7 +11136,7 @@
         </p:nvSpPr>
         <p:spPr>
           <a:xfrm>
-            <a:off x="7370178" y="4278322"/>
+            <a:off x="7195493" y="3283182"/>
             <a:ext cx="1093635" cy="346760"/>
           </a:xfrm>
           <a:prstGeom prst="rect">
@@ -10886,8 +11201,8 @@
         </p:nvCxnSpPr>
         <p:spPr>
           <a:xfrm flipH="1">
-            <a:off x="7907226" y="4641993"/>
-            <a:ext cx="9769" cy="981078"/>
+            <a:off x="7732541" y="3646853"/>
+            <a:ext cx="9769" cy="1620000"/>
           </a:xfrm>
           <a:prstGeom prst="line">
             <a:avLst/>
@@ -10925,7 +11240,7 @@
         </p:nvSpPr>
         <p:spPr>
           <a:xfrm>
-            <a:off x="7844987" y="5335662"/>
+            <a:off x="7670302" y="4340522"/>
             <a:ext cx="124478" cy="287409"/>
           </a:xfrm>
           <a:prstGeom prst="rect">
@@ -10980,7 +11295,7 @@
         </p:nvSpPr>
         <p:spPr>
           <a:xfrm>
-            <a:off x="1810094" y="4797674"/>
+            <a:off x="1635409" y="3802534"/>
             <a:ext cx="2716635" cy="215444"/>
           </a:xfrm>
           <a:prstGeom prst="rect">
@@ -11035,7 +11350,7 @@
         </p:nvCxnSpPr>
         <p:spPr>
           <a:xfrm flipH="1">
-            <a:off x="4526729" y="5623071"/>
+            <a:off x="4352044" y="4627931"/>
             <a:ext cx="3383941" cy="0"/>
           </a:xfrm>
           <a:prstGeom prst="straightConnector1">
@@ -11075,7 +11390,7 @@
         </p:nvSpPr>
         <p:spPr>
           <a:xfrm>
-            <a:off x="3791146" y="4295233"/>
+            <a:off x="3616461" y="3300093"/>
             <a:ext cx="1371600" cy="346760"/>
           </a:xfrm>
           <a:prstGeom prst="rect">
@@ -11148,8 +11463,8 @@
         </p:nvCxnSpPr>
         <p:spPr>
           <a:xfrm flipH="1">
-            <a:off x="4455726" y="4648287"/>
-            <a:ext cx="1005" cy="1459690"/>
+            <a:off x="4281041" y="3653147"/>
+            <a:ext cx="1005" cy="1620000"/>
           </a:xfrm>
           <a:prstGeom prst="line">
             <a:avLst/>
@@ -11187,7 +11502,7 @@
         </p:nvSpPr>
         <p:spPr>
           <a:xfrm>
-            <a:off x="4384723" y="5071220"/>
+            <a:off x="4210038" y="4076080"/>
             <a:ext cx="142006" cy="1036757"/>
           </a:xfrm>
           <a:prstGeom prst="rect">
@@ -11242,7 +11557,7 @@
         </p:nvCxnSpPr>
         <p:spPr>
           <a:xfrm>
-            <a:off x="3078929" y="5071220"/>
+            <a:off x="2904244" y="4076080"/>
             <a:ext cx="1295400" cy="0"/>
           </a:xfrm>
           <a:prstGeom prst="straightConnector1">
@@ -11280,7 +11595,7 @@
         </p:nvCxnSpPr>
         <p:spPr>
           <a:xfrm>
-            <a:off x="2975642" y="6107977"/>
+            <a:off x="2800957" y="5112837"/>
             <a:ext cx="1448755" cy="0"/>
           </a:xfrm>
           <a:prstGeom prst="straightConnector1">
@@ -11320,7 +11635,7 @@
         </p:nvCxnSpPr>
         <p:spPr>
           <a:xfrm>
-            <a:off x="4526729" y="5341014"/>
+            <a:off x="4352044" y="4345874"/>
             <a:ext cx="3318258" cy="0"/>
           </a:xfrm>
           <a:prstGeom prst="straightConnector1">
@@ -11359,7 +11674,7 @@
         </p:nvSpPr>
         <p:spPr>
           <a:xfrm>
-            <a:off x="4833686" y="5065911"/>
+            <a:off x="4659001" y="4070771"/>
             <a:ext cx="2862514" cy="215444"/>
           </a:xfrm>
           <a:prstGeom prst="rect">
@@ -11404,7 +11719,7 @@
         </p:nvGrpSpPr>
         <p:grpSpPr>
           <a:xfrm flipH="1">
-            <a:off x="7936842" y="5335662"/>
+            <a:off x="7762157" y="4340522"/>
             <a:ext cx="217349" cy="270072"/>
             <a:chOff x="1028134" y="5612032"/>
             <a:chExt cx="217349" cy="270072"/>
@@ -11567,7 +11882,7 @@
         </p:nvSpPr>
         <p:spPr>
           <a:xfrm>
-            <a:off x="8223953" y="5180992"/>
+            <a:off x="8049268" y="4185852"/>
             <a:ext cx="539047" cy="430887"/>
           </a:xfrm>
           <a:prstGeom prst="rect">
@@ -11684,7 +11999,7 @@
         <p:spPr>
           <a:xfrm>
             <a:off x="1673862" y="961474"/>
-            <a:ext cx="1" cy="360818"/>
+            <a:ext cx="1" cy="1440000"/>
           </a:xfrm>
           <a:prstGeom prst="line">
             <a:avLst/>
@@ -12050,7 +12365,7 @@
         <p:spPr>
           <a:xfrm>
             <a:off x="3882400" y="975284"/>
-            <a:ext cx="10390" cy="458194"/>
+            <a:ext cx="10390" cy="1440000"/>
           </a:xfrm>
           <a:prstGeom prst="line">
             <a:avLst/>
@@ -12242,8 +12557,8 @@
         </p:nvSpPr>
         <p:spPr>
           <a:xfrm>
-            <a:off x="2166172" y="1453379"/>
-            <a:ext cx="1503916" cy="430887"/>
+            <a:off x="1927833" y="1453379"/>
+            <a:ext cx="1742255" cy="430887"/>
           </a:xfrm>
           <a:prstGeom prst="rect">
             <a:avLst/>
@@ -12382,7 +12697,7 @@
         </p:nvCxnSpPr>
         <p:spPr>
           <a:xfrm>
-            <a:off x="1753007" y="1969747"/>
+            <a:off x="1753007" y="2142836"/>
             <a:ext cx="2172331" cy="0"/>
           </a:xfrm>
           <a:prstGeom prst="straightConnector1">
@@ -12420,7 +12735,7 @@
         </p:nvCxnSpPr>
         <p:spPr>
           <a:xfrm>
-            <a:off x="337776" y="2150594"/>
+            <a:off x="337776" y="2187538"/>
             <a:ext cx="1262424" cy="0"/>
           </a:xfrm>
           <a:prstGeom prst="straightConnector1">
@@ -12533,7 +12848,7 @@
         <p:spPr>
           <a:xfrm>
             <a:off x="6363346" y="973736"/>
-            <a:ext cx="0" cy="715893"/>
+            <a:ext cx="0" cy="1440000"/>
           </a:xfrm>
           <a:prstGeom prst="line">
             <a:avLst/>
@@ -12571,7 +12886,7 @@
         </p:nvSpPr>
         <p:spPr>
           <a:xfrm>
-            <a:off x="6288403" y="1689629"/>
+            <a:off x="6288403" y="1566784"/>
             <a:ext cx="149886" cy="262016"/>
           </a:xfrm>
           <a:prstGeom prst="rect">
@@ -12667,7 +12982,7 @@
         <p:spPr>
           <a:xfrm flipH="1">
             <a:off x="308154" y="1151580"/>
-            <a:ext cx="6264" cy="1039170"/>
+            <a:ext cx="6264" cy="1440000"/>
           </a:xfrm>
           <a:prstGeom prst="line">
             <a:avLst/>
@@ -12703,7 +13018,7 @@
         </p:nvSpPr>
         <p:spPr>
           <a:xfrm>
-            <a:off x="955240" y="4274898"/>
+            <a:off x="780555" y="3279758"/>
             <a:ext cx="1093635" cy="346760"/>
           </a:xfrm>
           <a:prstGeom prst="rect">
@@ -12765,8 +13080,8 @@
         </p:nvCxnSpPr>
         <p:spPr>
           <a:xfrm>
-            <a:off x="1502058" y="4621658"/>
-            <a:ext cx="1" cy="360818"/>
+            <a:off x="1327373" y="3626518"/>
+            <a:ext cx="1" cy="1620000"/>
           </a:xfrm>
           <a:prstGeom prst="line">
             <a:avLst/>
@@ -12802,8 +13117,8 @@
         </p:nvSpPr>
         <p:spPr>
           <a:xfrm>
-            <a:off x="1428396" y="4982476"/>
-            <a:ext cx="147325" cy="864128"/>
+            <a:off x="1253711" y="4675908"/>
+            <a:ext cx="147325" cy="288000"/>
           </a:xfrm>
           <a:prstGeom prst="rect">
             <a:avLst/>
@@ -12853,7 +13168,7 @@
         </p:nvCxnSpPr>
         <p:spPr>
           <a:xfrm flipH="1" flipV="1">
-            <a:off x="1575721" y="5326353"/>
+            <a:off x="1401036" y="4696619"/>
             <a:ext cx="2798608" cy="9309"/>
           </a:xfrm>
           <a:prstGeom prst="straightConnector1">
@@ -12892,7 +13207,7 @@
         </p:nvSpPr>
         <p:spPr>
           <a:xfrm>
-            <a:off x="1845733" y="5071072"/>
+            <a:off x="1651284" y="4454060"/>
             <a:ext cx="2862514" cy="215444"/>
           </a:xfrm>
           <a:prstGeom prst="rect">
@@ -12926,57 +13241,6 @@
               </a:rPr>
               <a:t> ()</a:t>
             </a:r>
-          </a:p>
-        </p:txBody>
-      </p:sp>
-      <p:sp>
-        <p:nvSpPr>
-          <p:cNvPr id="129" name="Rectangle 128"/>
-          <p:cNvSpPr/>
-          <p:nvPr/>
-        </p:nvSpPr>
-        <p:spPr>
-          <a:xfrm>
-            <a:off x="1428396" y="5349943"/>
-            <a:ext cx="130545" cy="273128"/>
-          </a:xfrm>
-          <a:prstGeom prst="rect">
-            <a:avLst/>
-          </a:prstGeom>
-          <a:solidFill>
-            <a:srgbClr val="00B050"/>
-          </a:solidFill>
-          <a:ln>
-            <a:solidFill>
-              <a:srgbClr val="00B050"/>
-            </a:solidFill>
-          </a:ln>
-          <a:effectLst/>
-        </p:spPr>
-        <p:style>
-          <a:lnRef idx="1">
-            <a:schemeClr val="accent3"/>
-          </a:lnRef>
-          <a:fillRef idx="2">
-            <a:schemeClr val="accent3"/>
-          </a:fillRef>
-          <a:effectRef idx="1">
-            <a:schemeClr val="accent3"/>
-          </a:effectRef>
-          <a:fontRef idx="minor">
-            <a:schemeClr val="dk1"/>
-          </a:fontRef>
-        </p:style>
-        <p:txBody>
-          <a:bodyPr rtlCol="0" anchor="ctr"/>
-          <a:lstStyle/>
-          <a:p>
-            <a:pPr algn="ctr"/>
-            <a:endParaRPr lang="en-SG" sz="1400">
-              <a:solidFill>
-                <a:schemeClr val="dk1"/>
-              </a:solidFill>
-            </a:endParaRPr>
           </a:p>
         </p:txBody>
       </p:sp>
@@ -12988,7 +13252,7 @@
         </p:nvGrpSpPr>
         <p:grpSpPr>
           <a:xfrm>
-            <a:off x="1260087" y="5291503"/>
+            <a:off x="1075038" y="4655429"/>
             <a:ext cx="217349" cy="270072"/>
             <a:chOff x="1028134" y="5612032"/>
             <a:chExt cx="217349" cy="270072"/>
@@ -13147,7 +13411,7 @@
         </p:nvSpPr>
         <p:spPr>
           <a:xfrm>
-            <a:off x="426515" y="5124042"/>
+            <a:off x="195411" y="4498425"/>
             <a:ext cx="794081" cy="430887"/>
           </a:xfrm>
           <a:prstGeom prst="rect">
@@ -13176,14 +13440,12 @@
       <p:cxnSp>
         <p:nvCxnSpPr>
           <p:cNvPr id="134" name="Straight Arrow Connector 133"/>
-          <p:cNvCxnSpPr>
-            <a:endCxn id="129" idx="2"/>
-          </p:cNvCxnSpPr>
+          <p:cNvCxnSpPr/>
           <p:nvPr/>
         </p:nvCxnSpPr>
         <p:spPr>
           <a:xfrm flipH="1">
-            <a:off x="1493669" y="5623071"/>
+            <a:off x="1318984" y="4953000"/>
             <a:ext cx="2891055" cy="0"/>
           </a:xfrm>
           <a:prstGeom prst="straightConnector1">
@@ -33999,8 +34261,8 @@
         </p:nvCxnSpPr>
         <p:spPr>
           <a:xfrm>
-            <a:off x="1658677" y="971597"/>
-            <a:ext cx="0" cy="1723059"/>
+            <a:off x="1658677" y="971596"/>
+            <a:ext cx="0" cy="2160000"/>
           </a:xfrm>
           <a:prstGeom prst="line">
             <a:avLst/>
@@ -34365,8 +34627,8 @@
         </p:nvCxnSpPr>
         <p:spPr>
           <a:xfrm>
-            <a:off x="3882400" y="975284"/>
-            <a:ext cx="3996" cy="458193"/>
+            <a:off x="3882400" y="975283"/>
+            <a:ext cx="3996" cy="2160000"/>
           </a:xfrm>
           <a:prstGeom prst="line">
             <a:avLst/>
@@ -34514,8 +34776,8 @@
         </p:nvCxnSpPr>
         <p:spPr>
           <a:xfrm>
-            <a:off x="5863600" y="971597"/>
-            <a:ext cx="2935" cy="566811"/>
+            <a:off x="5863601" y="971595"/>
+            <a:ext cx="3591" cy="2160000"/>
           </a:xfrm>
           <a:prstGeom prst="line">
             <a:avLst/>
@@ -34551,8 +34813,8 @@
         </p:nvSpPr>
         <p:spPr>
           <a:xfrm>
-            <a:off x="5791592" y="1538408"/>
-            <a:ext cx="149886" cy="965432"/>
+            <a:off x="5791592" y="1538407"/>
+            <a:ext cx="151200" cy="441811"/>
           </a:xfrm>
           <a:prstGeom prst="rect">
             <a:avLst/>
@@ -34654,7 +34916,7 @@
           <a:p>
             <a:r>
               <a:rPr lang="en-US" sz="1400" dirty="0"/>
-              <a:t>Recur 1 every 3 days until next week</a:t>
+              <a:t>recur 1 every 3 days until next week</a:t>
             </a:r>
           </a:p>
         </p:txBody>
@@ -34703,8 +34965,8 @@
         </p:nvSpPr>
         <p:spPr>
           <a:xfrm>
-            <a:off x="2166172" y="1453379"/>
-            <a:ext cx="1503916" cy="646331"/>
+            <a:off x="1891541" y="1470301"/>
+            <a:ext cx="1878858" cy="430887"/>
           </a:xfrm>
           <a:prstGeom prst="rect">
             <a:avLst/>
@@ -34829,7 +35091,7 @@
         </p:nvSpPr>
         <p:spPr>
           <a:xfrm>
-            <a:off x="6074030" y="1979038"/>
+            <a:off x="6019800" y="1676400"/>
             <a:ext cx="2573716" cy="215444"/>
           </a:xfrm>
           <a:prstGeom prst="rect">
@@ -34884,7 +35146,7 @@
         </p:nvCxnSpPr>
         <p:spPr>
           <a:xfrm>
-            <a:off x="3954408" y="2497421"/>
+            <a:off x="3954408" y="1971964"/>
             <a:ext cx="1939136" cy="0"/>
           </a:xfrm>
           <a:prstGeom prst="straightConnector1">
@@ -34922,7 +35184,7 @@
         </p:nvCxnSpPr>
         <p:spPr>
           <a:xfrm>
-            <a:off x="1739069" y="2266002"/>
+            <a:off x="1753007" y="2670456"/>
             <a:ext cx="2172331" cy="0"/>
           </a:xfrm>
           <a:prstGeom prst="straightConnector1">
@@ -34960,7 +35222,7 @@
         </p:nvCxnSpPr>
         <p:spPr>
           <a:xfrm>
-            <a:off x="390618" y="2342202"/>
+            <a:off x="387570" y="2820831"/>
             <a:ext cx="1262424" cy="0"/>
           </a:xfrm>
           <a:prstGeom prst="straightConnector1">
@@ -35064,15 +35326,13 @@
       <p:cxnSp>
         <p:nvCxnSpPr>
           <p:cNvPr id="40" name="Straight Connector 39"/>
-          <p:cNvCxnSpPr>
-            <a:endCxn id="41" idx="0"/>
-          </p:cNvCxnSpPr>
+          <p:cNvCxnSpPr/>
           <p:nvPr/>
         </p:nvCxnSpPr>
         <p:spPr>
           <a:xfrm flipH="1">
-            <a:off x="8619737" y="971597"/>
-            <a:ext cx="14403" cy="1280987"/>
+            <a:off x="8619737" y="964200"/>
+            <a:ext cx="14403" cy="2160000"/>
           </a:xfrm>
           <a:prstGeom prst="line">
             <a:avLst/>
@@ -35110,7 +35370,7 @@
         </p:nvSpPr>
         <p:spPr>
           <a:xfrm>
-            <a:off x="8544794" y="2252584"/>
+            <a:off x="8544794" y="1645146"/>
             <a:ext cx="149886" cy="262016"/>
           </a:xfrm>
           <a:prstGeom prst="rect">
@@ -35160,14 +35420,12 @@
       <p:cxnSp>
         <p:nvCxnSpPr>
           <p:cNvPr id="42" name="Straight Arrow Connector 41"/>
-          <p:cNvCxnSpPr>
-            <a:endCxn id="41" idx="0"/>
-          </p:cNvCxnSpPr>
+          <p:cNvCxnSpPr/>
           <p:nvPr/>
         </p:nvCxnSpPr>
         <p:spPr>
           <a:xfrm>
-            <a:off x="5943992" y="2252584"/>
+            <a:off x="5943992" y="1676400"/>
             <a:ext cx="2675745" cy="0"/>
           </a:xfrm>
           <a:prstGeom prst="straightConnector1">
@@ -35203,7 +35461,7 @@
         </p:nvCxnSpPr>
         <p:spPr>
           <a:xfrm>
-            <a:off x="5943992" y="2429371"/>
+            <a:off x="5942688" y="1907162"/>
             <a:ext cx="2691452" cy="0"/>
           </a:xfrm>
           <a:prstGeom prst="straightConnector1">
@@ -35819,9 +36077,9 @@
           <p:nvPr/>
         </p:nvCxnSpPr>
         <p:spPr>
-          <a:xfrm flipH="1">
-            <a:off x="314394" y="1099672"/>
-            <a:ext cx="24" cy="1598671"/>
+          <a:xfrm>
+            <a:off x="314418" y="1099672"/>
+            <a:ext cx="19848" cy="2160000"/>
           </a:xfrm>
           <a:prstGeom prst="line">
             <a:avLst/>
@@ -36524,42 +36782,6 @@
           </a:p>
         </p:txBody>
       </p:sp>
-      <p:cxnSp>
-        <p:nvCxnSpPr>
-          <p:cNvPr id="101" name="Straight Arrow Connector 100"/>
-          <p:cNvCxnSpPr/>
-          <p:nvPr/>
-        </p:nvCxnSpPr>
-        <p:spPr>
-          <a:xfrm flipH="1">
-            <a:off x="3962400" y="1758027"/>
-            <a:ext cx="1904134" cy="0"/>
-          </a:xfrm>
-          <a:prstGeom prst="straightConnector1">
-            <a:avLst/>
-          </a:prstGeom>
-          <a:ln w="19050">
-            <a:solidFill>
-              <a:srgbClr val="7030A0"/>
-            </a:solidFill>
-            <a:tailEnd type="arrow"/>
-          </a:ln>
-        </p:spPr>
-        <p:style>
-          <a:lnRef idx="1">
-            <a:schemeClr val="accent1"/>
-          </a:lnRef>
-          <a:fillRef idx="0">
-            <a:schemeClr val="accent1"/>
-          </a:fillRef>
-          <a:effectRef idx="0">
-            <a:schemeClr val="accent1"/>
-          </a:effectRef>
-          <a:fontRef idx="minor">
-            <a:schemeClr val="tx1"/>
-          </a:fontRef>
-        </p:style>
-      </p:cxnSp>
       <p:sp>
         <p:nvSpPr>
           <p:cNvPr id="107" name="TextBox 106"/>
@@ -36568,8 +36790,8 @@
         </p:nvSpPr>
         <p:spPr>
           <a:xfrm>
-            <a:off x="4219788" y="1751925"/>
-            <a:ext cx="1503916" cy="430887"/>
+            <a:off x="2328587" y="1980219"/>
+            <a:ext cx="1391182" cy="430887"/>
           </a:xfrm>
           <a:prstGeom prst="rect">
             <a:avLst/>
@@ -36632,44 +36854,169 @@
           </a:p>
         </p:txBody>
       </p:sp>
-      <p:cxnSp>
-        <p:nvCxnSpPr>
-          <p:cNvPr id="108" name="Straight Arrow Connector 107"/>
-          <p:cNvCxnSpPr/>
-          <p:nvPr/>
-        </p:nvCxnSpPr>
-        <p:spPr>
-          <a:xfrm flipH="1">
-            <a:off x="3827675" y="2194482"/>
-            <a:ext cx="1960564" cy="0"/>
-          </a:xfrm>
-          <a:prstGeom prst="straightConnector1">
-            <a:avLst/>
-          </a:prstGeom>
-          <a:ln w="19050">
-            <a:solidFill>
-              <a:srgbClr val="0070C0"/>
-            </a:solidFill>
-            <a:prstDash val="sysDash"/>
-            <a:headEnd type="arrow" w="med" len="med"/>
-            <a:tailEnd type="none" w="med" len="med"/>
-          </a:ln>
-        </p:spPr>
-        <p:style>
-          <a:lnRef idx="1">
-            <a:schemeClr val="accent1"/>
-          </a:lnRef>
-          <a:fillRef idx="0">
-            <a:schemeClr val="accent1"/>
-          </a:fillRef>
-          <a:effectRef idx="0">
-            <a:schemeClr val="accent1"/>
-          </a:effectRef>
-          <a:fontRef idx="minor">
-            <a:schemeClr val="tx1"/>
-          </a:fontRef>
-        </p:style>
-      </p:cxnSp>
+      <p:grpSp>
+        <p:nvGrpSpPr>
+          <p:cNvPr id="64" name="Group 63"/>
+          <p:cNvGrpSpPr/>
+          <p:nvPr/>
+        </p:nvGrpSpPr>
+        <p:grpSpPr>
+          <a:xfrm>
+            <a:off x="3638706" y="2059446"/>
+            <a:ext cx="217349" cy="270072"/>
+            <a:chOff x="1028134" y="5612032"/>
+            <a:chExt cx="217349" cy="270072"/>
+          </a:xfrm>
+          <a:solidFill>
+            <a:srgbClr val="0070C0"/>
+          </a:solidFill>
+        </p:grpSpPr>
+        <p:sp>
+          <p:nvSpPr>
+            <p:cNvPr id="65" name="Freeform 11"/>
+            <p:cNvSpPr/>
+            <p:nvPr/>
+          </p:nvSpPr>
+          <p:spPr>
+            <a:xfrm rot="2600998" flipH="1" flipV="1">
+              <a:off x="1028134" y="5612032"/>
+              <a:ext cx="167452" cy="116880"/>
+            </a:xfrm>
+            <a:custGeom>
+              <a:avLst/>
+              <a:gdLst>
+                <a:gd name="connsiteX0" fmla="*/ 0 w 226400"/>
+                <a:gd name="connsiteY0" fmla="*/ 32920 h 171466"/>
+                <a:gd name="connsiteX1" fmla="*/ 157018 w 226400"/>
+                <a:gd name="connsiteY1" fmla="*/ 5211 h 171466"/>
+                <a:gd name="connsiteX2" fmla="*/ 221673 w 226400"/>
+                <a:gd name="connsiteY2" fmla="*/ 125284 h 171466"/>
+                <a:gd name="connsiteX3" fmla="*/ 36945 w 226400"/>
+                <a:gd name="connsiteY3" fmla="*/ 171466 h 171466"/>
+              </a:gdLst>
+              <a:ahLst/>
+              <a:cxnLst>
+                <a:cxn ang="0">
+                  <a:pos x="connsiteX0" y="connsiteY0"/>
+                </a:cxn>
+                <a:cxn ang="0">
+                  <a:pos x="connsiteX1" y="connsiteY1"/>
+                </a:cxn>
+                <a:cxn ang="0">
+                  <a:pos x="connsiteX2" y="connsiteY2"/>
+                </a:cxn>
+                <a:cxn ang="0">
+                  <a:pos x="connsiteX3" y="connsiteY3"/>
+                </a:cxn>
+              </a:cxnLst>
+              <a:rect l="l" t="t" r="r" b="b"/>
+              <a:pathLst>
+                <a:path w="226400" h="171466">
+                  <a:moveTo>
+                    <a:pt x="0" y="32920"/>
+                  </a:moveTo>
+                  <a:cubicBezTo>
+                    <a:pt x="60036" y="11368"/>
+                    <a:pt x="120073" y="-10183"/>
+                    <a:pt x="157018" y="5211"/>
+                  </a:cubicBezTo>
+                  <a:cubicBezTo>
+                    <a:pt x="193963" y="20605"/>
+                    <a:pt x="241685" y="97575"/>
+                    <a:pt x="221673" y="125284"/>
+                  </a:cubicBezTo>
+                  <a:cubicBezTo>
+                    <a:pt x="201661" y="152993"/>
+                    <a:pt x="119303" y="162229"/>
+                    <a:pt x="36945" y="171466"/>
+                  </a:cubicBezTo>
+                </a:path>
+              </a:pathLst>
+            </a:custGeom>
+            <a:solidFill>
+              <a:schemeClr val="bg1"/>
+            </a:solidFill>
+            <a:ln w="19050">
+              <a:solidFill>
+                <a:srgbClr val="0070C0"/>
+              </a:solidFill>
+              <a:headEnd type="arrow" w="med" len="med"/>
+              <a:tailEnd type="none" w="med" len="med"/>
+            </a:ln>
+          </p:spPr>
+          <p:style>
+            <a:lnRef idx="1">
+              <a:schemeClr val="accent1"/>
+            </a:lnRef>
+            <a:fillRef idx="0">
+              <a:schemeClr val="accent1"/>
+            </a:fillRef>
+            <a:effectRef idx="0">
+              <a:schemeClr val="accent1"/>
+            </a:effectRef>
+            <a:fontRef idx="minor">
+              <a:schemeClr val="tx1"/>
+            </a:fontRef>
+          </p:style>
+          <p:txBody>
+            <a:bodyPr rtlCol="0" anchor="ctr"/>
+            <a:lstStyle/>
+            <a:p>
+              <a:pPr algn="ctr"/>
+              <a:endParaRPr lang="en-SG"/>
+            </a:p>
+          </p:txBody>
+        </p:sp>
+        <p:sp>
+          <p:nvSpPr>
+            <p:cNvPr id="71" name="Rectangle 70"/>
+            <p:cNvSpPr/>
+            <p:nvPr/>
+          </p:nvSpPr>
+          <p:spPr>
+            <a:xfrm>
+              <a:off x="1147403" y="5712513"/>
+              <a:ext cx="98080" cy="169591"/>
+            </a:xfrm>
+            <a:prstGeom prst="rect">
+              <a:avLst/>
+            </a:prstGeom>
+            <a:grpFill/>
+            <a:ln>
+              <a:solidFill>
+                <a:schemeClr val="bg1"/>
+              </a:solidFill>
+            </a:ln>
+            <a:effectLst/>
+          </p:spPr>
+          <p:style>
+            <a:lnRef idx="1">
+              <a:schemeClr val="accent3"/>
+            </a:lnRef>
+            <a:fillRef idx="2">
+              <a:schemeClr val="accent3"/>
+            </a:fillRef>
+            <a:effectRef idx="1">
+              <a:schemeClr val="accent3"/>
+            </a:effectRef>
+            <a:fontRef idx="minor">
+              <a:schemeClr val="dk1"/>
+            </a:fontRef>
+          </p:style>
+          <p:txBody>
+            <a:bodyPr rtlCol="0" anchor="ctr"/>
+            <a:lstStyle/>
+            <a:p>
+              <a:pPr algn="ctr"/>
+              <a:endParaRPr lang="en-SG" sz="1400">
+                <a:solidFill>
+                  <a:schemeClr val="dk1"/>
+                </a:solidFill>
+              </a:endParaRPr>
+            </a:p>
+          </p:txBody>
+        </p:sp>
+      </p:grpSp>
     </p:spTree>
     <p:extLst>
       <p:ext uri="{BB962C8B-B14F-4D97-AF65-F5344CB8AC3E}">
@@ -36767,8 +37114,8 @@
         </p:nvCxnSpPr>
         <p:spPr>
           <a:xfrm>
-            <a:off x="1658677" y="971597"/>
-            <a:ext cx="0" cy="1723059"/>
+            <a:off x="1658677" y="971596"/>
+            <a:ext cx="0" cy="2160000"/>
           </a:xfrm>
           <a:prstGeom prst="line">
             <a:avLst/>
@@ -37133,8 +37480,8 @@
         </p:nvCxnSpPr>
         <p:spPr>
           <a:xfrm>
-            <a:off x="3882400" y="975284"/>
-            <a:ext cx="3996" cy="458193"/>
+            <a:off x="3882400" y="975283"/>
+            <a:ext cx="3996" cy="2160000"/>
           </a:xfrm>
           <a:prstGeom prst="line">
             <a:avLst/>
@@ -37282,8 +37629,8 @@
         </p:nvCxnSpPr>
         <p:spPr>
           <a:xfrm>
-            <a:off x="5863600" y="971597"/>
-            <a:ext cx="2935" cy="566811"/>
+            <a:off x="5863600" y="971596"/>
+            <a:ext cx="2935" cy="2160000"/>
           </a:xfrm>
           <a:prstGeom prst="line">
             <a:avLst/>
@@ -37320,7 +37667,7 @@
         <p:spPr>
           <a:xfrm>
             <a:off x="5791592" y="1538408"/>
-            <a:ext cx="149886" cy="965432"/>
+            <a:ext cx="149886" cy="450000"/>
           </a:xfrm>
           <a:prstGeom prst="rect">
             <a:avLst/>
@@ -37471,8 +37818,8 @@
         </p:nvSpPr>
         <p:spPr>
           <a:xfrm>
-            <a:off x="2166172" y="1453379"/>
-            <a:ext cx="1503916" cy="646331"/>
+            <a:off x="1799942" y="1453379"/>
+            <a:ext cx="1870146" cy="430887"/>
           </a:xfrm>
           <a:prstGeom prst="rect">
             <a:avLst/>
@@ -37485,6 +37832,7 @@
           </a:bodyPr>
           <a:lstStyle/>
           <a:p>
+            <a:pPr algn="ctr"/>
             <a:r>
               <a:rPr lang="en-US" sz="1400" dirty="0">
                 <a:solidFill>
@@ -37501,8 +37849,6 @@
               </a:rPr>
               <a:t>edit 1 do homework by today</a:t>
             </a:r>
-          </a:p>
-          <a:p>
             <a:r>
               <a:rPr lang="en-US" sz="1400" dirty="0">
                 <a:solidFill>
@@ -37599,7 +37945,7 @@
         </p:nvSpPr>
         <p:spPr>
           <a:xfrm>
-            <a:off x="6074030" y="1979038"/>
+            <a:off x="6036884" y="1613356"/>
             <a:ext cx="2573716" cy="215444"/>
           </a:xfrm>
           <a:prstGeom prst="rect">
@@ -37654,7 +38000,7 @@
         </p:nvCxnSpPr>
         <p:spPr>
           <a:xfrm>
-            <a:off x="3954408" y="2497421"/>
+            <a:off x="3954408" y="1981200"/>
             <a:ext cx="1939136" cy="0"/>
           </a:xfrm>
           <a:prstGeom prst="straightConnector1">
@@ -37692,7 +38038,7 @@
         </p:nvCxnSpPr>
         <p:spPr>
           <a:xfrm>
-            <a:off x="1739069" y="2266002"/>
+            <a:off x="1739069" y="2667000"/>
             <a:ext cx="2172331" cy="0"/>
           </a:xfrm>
           <a:prstGeom prst="straightConnector1">
@@ -37730,7 +38076,7 @@
         </p:nvCxnSpPr>
         <p:spPr>
           <a:xfrm>
-            <a:off x="390618" y="2342202"/>
+            <a:off x="390618" y="2819400"/>
             <a:ext cx="1262424" cy="0"/>
           </a:xfrm>
           <a:prstGeom prst="straightConnector1">
@@ -37834,15 +38180,13 @@
       <p:cxnSp>
         <p:nvCxnSpPr>
           <p:cNvPr id="40" name="Straight Connector 39"/>
-          <p:cNvCxnSpPr>
-            <a:endCxn id="41" idx="0"/>
-          </p:cNvCxnSpPr>
+          <p:cNvCxnSpPr/>
           <p:nvPr/>
         </p:nvCxnSpPr>
         <p:spPr>
           <a:xfrm flipH="1">
-            <a:off x="8619737" y="971597"/>
-            <a:ext cx="14403" cy="1280987"/>
+            <a:off x="8619737" y="964200"/>
+            <a:ext cx="14403" cy="2160000"/>
           </a:xfrm>
           <a:prstGeom prst="line">
             <a:avLst/>
@@ -37880,7 +38224,7 @@
         </p:nvSpPr>
         <p:spPr>
           <a:xfrm>
-            <a:off x="8544794" y="2252584"/>
+            <a:off x="8544794" y="1645146"/>
             <a:ext cx="149886" cy="262016"/>
           </a:xfrm>
           <a:prstGeom prst="rect">
@@ -37937,7 +38281,7 @@
         </p:nvCxnSpPr>
         <p:spPr>
           <a:xfrm>
-            <a:off x="5943992" y="2252584"/>
+            <a:off x="5943992" y="1645146"/>
             <a:ext cx="2675745" cy="0"/>
           </a:xfrm>
           <a:prstGeom prst="straightConnector1">
@@ -37973,7 +38317,7 @@
         </p:nvCxnSpPr>
         <p:spPr>
           <a:xfrm>
-            <a:off x="5943992" y="2429371"/>
+            <a:off x="5943992" y="1907162"/>
             <a:ext cx="2691452" cy="0"/>
           </a:xfrm>
           <a:prstGeom prst="straightConnector1">
@@ -38590,8 +38934,8 @@
         </p:nvCxnSpPr>
         <p:spPr>
           <a:xfrm flipH="1">
-            <a:off x="314394" y="1099672"/>
-            <a:ext cx="24" cy="1598671"/>
+            <a:off x="314394" y="1099671"/>
+            <a:ext cx="24" cy="2160000"/>
           </a:xfrm>
           <a:prstGeom prst="line">
             <a:avLst/>
@@ -39294,42 +39638,6 @@
           </a:p>
         </p:txBody>
       </p:sp>
-      <p:cxnSp>
-        <p:nvCxnSpPr>
-          <p:cNvPr id="101" name="Straight Arrow Connector 100"/>
-          <p:cNvCxnSpPr/>
-          <p:nvPr/>
-        </p:nvCxnSpPr>
-        <p:spPr>
-          <a:xfrm flipH="1">
-            <a:off x="3962400" y="1758027"/>
-            <a:ext cx="1904134" cy="0"/>
-          </a:xfrm>
-          <a:prstGeom prst="straightConnector1">
-            <a:avLst/>
-          </a:prstGeom>
-          <a:ln w="19050">
-            <a:solidFill>
-              <a:srgbClr val="7030A0"/>
-            </a:solidFill>
-            <a:tailEnd type="arrow"/>
-          </a:ln>
-        </p:spPr>
-        <p:style>
-          <a:lnRef idx="1">
-            <a:schemeClr val="accent1"/>
-          </a:lnRef>
-          <a:fillRef idx="0">
-            <a:schemeClr val="accent1"/>
-          </a:fillRef>
-          <a:effectRef idx="0">
-            <a:schemeClr val="accent1"/>
-          </a:effectRef>
-          <a:fontRef idx="minor">
-            <a:schemeClr val="tx1"/>
-          </a:fontRef>
-        </p:style>
-      </p:cxnSp>
       <p:sp>
         <p:nvSpPr>
           <p:cNvPr id="107" name="TextBox 106"/>
@@ -39338,7 +39646,7 @@
         </p:nvSpPr>
         <p:spPr>
           <a:xfrm>
-            <a:off x="4219788" y="1751925"/>
+            <a:off x="2353396" y="1992210"/>
             <a:ext cx="1503916" cy="430887"/>
           </a:xfrm>
           <a:prstGeom prst="rect">
@@ -39386,44 +39694,169 @@
           </a:p>
         </p:txBody>
       </p:sp>
-      <p:cxnSp>
-        <p:nvCxnSpPr>
-          <p:cNvPr id="108" name="Straight Arrow Connector 107"/>
-          <p:cNvCxnSpPr/>
-          <p:nvPr/>
-        </p:nvCxnSpPr>
-        <p:spPr>
-          <a:xfrm flipH="1">
-            <a:off x="3827675" y="2194482"/>
-            <a:ext cx="1960564" cy="0"/>
-          </a:xfrm>
-          <a:prstGeom prst="straightConnector1">
-            <a:avLst/>
-          </a:prstGeom>
-          <a:ln w="19050">
-            <a:solidFill>
-              <a:srgbClr val="0070C0"/>
-            </a:solidFill>
-            <a:prstDash val="sysDash"/>
-            <a:headEnd type="arrow" w="med" len="med"/>
-            <a:tailEnd type="none" w="med" len="med"/>
-          </a:ln>
-        </p:spPr>
-        <p:style>
-          <a:lnRef idx="1">
-            <a:schemeClr val="accent1"/>
-          </a:lnRef>
-          <a:fillRef idx="0">
-            <a:schemeClr val="accent1"/>
-          </a:fillRef>
-          <a:effectRef idx="0">
-            <a:schemeClr val="accent1"/>
-          </a:effectRef>
-          <a:fontRef idx="minor">
-            <a:schemeClr val="tx1"/>
-          </a:fontRef>
-        </p:style>
-      </p:cxnSp>
+      <p:grpSp>
+        <p:nvGrpSpPr>
+          <p:cNvPr id="64" name="Group 63"/>
+          <p:cNvGrpSpPr/>
+          <p:nvPr/>
+        </p:nvGrpSpPr>
+        <p:grpSpPr>
+          <a:xfrm>
+            <a:off x="3638706" y="2059446"/>
+            <a:ext cx="217349" cy="270072"/>
+            <a:chOff x="1028134" y="5612032"/>
+            <a:chExt cx="217349" cy="270072"/>
+          </a:xfrm>
+          <a:solidFill>
+            <a:srgbClr val="0070C0"/>
+          </a:solidFill>
+        </p:grpSpPr>
+        <p:sp>
+          <p:nvSpPr>
+            <p:cNvPr id="65" name="Freeform 11"/>
+            <p:cNvSpPr/>
+            <p:nvPr/>
+          </p:nvSpPr>
+          <p:spPr>
+            <a:xfrm rot="2600998" flipH="1" flipV="1">
+              <a:off x="1028134" y="5612032"/>
+              <a:ext cx="167452" cy="116880"/>
+            </a:xfrm>
+            <a:custGeom>
+              <a:avLst/>
+              <a:gdLst>
+                <a:gd name="connsiteX0" fmla="*/ 0 w 226400"/>
+                <a:gd name="connsiteY0" fmla="*/ 32920 h 171466"/>
+                <a:gd name="connsiteX1" fmla="*/ 157018 w 226400"/>
+                <a:gd name="connsiteY1" fmla="*/ 5211 h 171466"/>
+                <a:gd name="connsiteX2" fmla="*/ 221673 w 226400"/>
+                <a:gd name="connsiteY2" fmla="*/ 125284 h 171466"/>
+                <a:gd name="connsiteX3" fmla="*/ 36945 w 226400"/>
+                <a:gd name="connsiteY3" fmla="*/ 171466 h 171466"/>
+              </a:gdLst>
+              <a:ahLst/>
+              <a:cxnLst>
+                <a:cxn ang="0">
+                  <a:pos x="connsiteX0" y="connsiteY0"/>
+                </a:cxn>
+                <a:cxn ang="0">
+                  <a:pos x="connsiteX1" y="connsiteY1"/>
+                </a:cxn>
+                <a:cxn ang="0">
+                  <a:pos x="connsiteX2" y="connsiteY2"/>
+                </a:cxn>
+                <a:cxn ang="0">
+                  <a:pos x="connsiteX3" y="connsiteY3"/>
+                </a:cxn>
+              </a:cxnLst>
+              <a:rect l="l" t="t" r="r" b="b"/>
+              <a:pathLst>
+                <a:path w="226400" h="171466">
+                  <a:moveTo>
+                    <a:pt x="0" y="32920"/>
+                  </a:moveTo>
+                  <a:cubicBezTo>
+                    <a:pt x="60036" y="11368"/>
+                    <a:pt x="120073" y="-10183"/>
+                    <a:pt x="157018" y="5211"/>
+                  </a:cubicBezTo>
+                  <a:cubicBezTo>
+                    <a:pt x="193963" y="20605"/>
+                    <a:pt x="241685" y="97575"/>
+                    <a:pt x="221673" y="125284"/>
+                  </a:cubicBezTo>
+                  <a:cubicBezTo>
+                    <a:pt x="201661" y="152993"/>
+                    <a:pt x="119303" y="162229"/>
+                    <a:pt x="36945" y="171466"/>
+                  </a:cubicBezTo>
+                </a:path>
+              </a:pathLst>
+            </a:custGeom>
+            <a:solidFill>
+              <a:schemeClr val="bg1"/>
+            </a:solidFill>
+            <a:ln w="19050">
+              <a:solidFill>
+                <a:srgbClr val="0070C0"/>
+              </a:solidFill>
+              <a:headEnd type="arrow" w="med" len="med"/>
+              <a:tailEnd type="none" w="med" len="med"/>
+            </a:ln>
+          </p:spPr>
+          <p:style>
+            <a:lnRef idx="1">
+              <a:schemeClr val="accent1"/>
+            </a:lnRef>
+            <a:fillRef idx="0">
+              <a:schemeClr val="accent1"/>
+            </a:fillRef>
+            <a:effectRef idx="0">
+              <a:schemeClr val="accent1"/>
+            </a:effectRef>
+            <a:fontRef idx="minor">
+              <a:schemeClr val="tx1"/>
+            </a:fontRef>
+          </p:style>
+          <p:txBody>
+            <a:bodyPr rtlCol="0" anchor="ctr"/>
+            <a:lstStyle/>
+            <a:p>
+              <a:pPr algn="ctr"/>
+              <a:endParaRPr lang="en-SG"/>
+            </a:p>
+          </p:txBody>
+        </p:sp>
+        <p:sp>
+          <p:nvSpPr>
+            <p:cNvPr id="71" name="Rectangle 70"/>
+            <p:cNvSpPr/>
+            <p:nvPr/>
+          </p:nvSpPr>
+          <p:spPr>
+            <a:xfrm>
+              <a:off x="1147403" y="5712513"/>
+              <a:ext cx="98080" cy="169591"/>
+            </a:xfrm>
+            <a:prstGeom prst="rect">
+              <a:avLst/>
+            </a:prstGeom>
+            <a:grpFill/>
+            <a:ln>
+              <a:solidFill>
+                <a:schemeClr val="bg1"/>
+              </a:solidFill>
+            </a:ln>
+            <a:effectLst/>
+          </p:spPr>
+          <p:style>
+            <a:lnRef idx="1">
+              <a:schemeClr val="accent3"/>
+            </a:lnRef>
+            <a:fillRef idx="2">
+              <a:schemeClr val="accent3"/>
+            </a:fillRef>
+            <a:effectRef idx="1">
+              <a:schemeClr val="accent3"/>
+            </a:effectRef>
+            <a:fontRef idx="minor">
+              <a:schemeClr val="dk1"/>
+            </a:fontRef>
+          </p:style>
+          <p:txBody>
+            <a:bodyPr rtlCol="0" anchor="ctr"/>
+            <a:lstStyle/>
+            <a:p>
+              <a:pPr algn="ctr"/>
+              <a:endParaRPr lang="en-SG" sz="1400">
+                <a:solidFill>
+                  <a:schemeClr val="dk1"/>
+                </a:solidFill>
+              </a:endParaRPr>
+            </a:p>
+          </p:txBody>
+        </p:sp>
+      </p:grpSp>
     </p:spTree>
     <p:extLst>
       <p:ext uri="{BB962C8B-B14F-4D97-AF65-F5344CB8AC3E}">

--- a/docs/diagrams/Diagrams.pptx
+++ b/docs/diagrams/Diagrams.pptx
@@ -7478,8 +7478,8 @@
         </p:nvSpPr>
         <p:spPr>
           <a:xfrm>
-            <a:off x="4384723" y="5071221"/>
-            <a:ext cx="173786" cy="599252"/>
+            <a:off x="4384723" y="5071220"/>
+            <a:ext cx="173786" cy="872379"/>
           </a:xfrm>
           <a:prstGeom prst="rect">
             <a:avLst/>
@@ -21865,6 +21865,150 @@
           <a:chExt cx="0" cy="0"/>
         </a:xfrm>
       </p:grpSpPr>
+      <p:sp>
+        <p:nvSpPr>
+          <p:cNvPr id="71" name="Rounded Rectangle 61"/>
+          <p:cNvSpPr/>
+          <p:nvPr/>
+        </p:nvSpPr>
+        <p:spPr>
+          <a:xfrm>
+            <a:off x="0" y="3475534"/>
+            <a:ext cx="9144000" cy="3230066"/>
+          </a:xfrm>
+          <a:prstGeom prst="roundRect">
+            <a:avLst/>
+          </a:prstGeom>
+          <a:solidFill>
+            <a:schemeClr val="bg1"/>
+          </a:solidFill>
+        </p:spPr>
+        <p:style>
+          <a:lnRef idx="2">
+            <a:schemeClr val="accent1">
+              <a:shade val="50000"/>
+            </a:schemeClr>
+          </a:lnRef>
+          <a:fillRef idx="1">
+            <a:schemeClr val="accent1"/>
+          </a:fillRef>
+          <a:effectRef idx="0">
+            <a:schemeClr val="accent1"/>
+          </a:effectRef>
+          <a:fontRef idx="minor">
+            <a:schemeClr val="lt1"/>
+          </a:fontRef>
+        </p:style>
+        <p:txBody>
+          <a:bodyPr rtlCol="0" anchor="ctr"/>
+          <a:lstStyle/>
+          <a:p>
+            <a:pPr algn="ctr"/>
+            <a:endParaRPr lang="en-US"/>
+          </a:p>
+        </p:txBody>
+      </p:sp>
+      <p:sp>
+        <p:nvSpPr>
+          <p:cNvPr id="73" name="TextBox 62"/>
+          <p:cNvSpPr txBox="1"/>
+          <p:nvPr/>
+        </p:nvSpPr>
+        <p:spPr>
+          <a:xfrm>
+            <a:off x="194562" y="3737425"/>
+            <a:ext cx="799706" cy="369332"/>
+          </a:xfrm>
+          <a:prstGeom prst="rect">
+            <a:avLst/>
+          </a:prstGeom>
+          <a:noFill/>
+        </p:spPr>
+        <p:txBody>
+          <a:bodyPr wrap="none" rtlCol="0">
+            <a:spAutoFit/>
+          </a:bodyPr>
+          <a:lstStyle/>
+          <a:p>
+            <a:r>
+              <a:rPr lang="en-US" dirty="0"/>
+              <a:t>Delete</a:t>
+            </a:r>
+          </a:p>
+        </p:txBody>
+      </p:sp>
+      <p:sp>
+        <p:nvSpPr>
+          <p:cNvPr id="64" name="Rounded Rectangle 61"/>
+          <p:cNvSpPr/>
+          <p:nvPr/>
+        </p:nvSpPr>
+        <p:spPr>
+          <a:xfrm>
+            <a:off x="0" y="-271987"/>
+            <a:ext cx="9144000" cy="3552166"/>
+          </a:xfrm>
+          <a:prstGeom prst="roundRect">
+            <a:avLst/>
+          </a:prstGeom>
+          <a:solidFill>
+            <a:schemeClr val="bg1"/>
+          </a:solidFill>
+        </p:spPr>
+        <p:style>
+          <a:lnRef idx="2">
+            <a:schemeClr val="accent1">
+              <a:shade val="50000"/>
+            </a:schemeClr>
+          </a:lnRef>
+          <a:fillRef idx="1">
+            <a:schemeClr val="accent1"/>
+          </a:fillRef>
+          <a:effectRef idx="0">
+            <a:schemeClr val="accent1"/>
+          </a:effectRef>
+          <a:fontRef idx="minor">
+            <a:schemeClr val="lt1"/>
+          </a:fontRef>
+        </p:style>
+        <p:txBody>
+          <a:bodyPr rtlCol="0" anchor="ctr"/>
+          <a:lstStyle/>
+          <a:p>
+            <a:pPr algn="ctr"/>
+            <a:endParaRPr lang="en-US"/>
+          </a:p>
+        </p:txBody>
+      </p:sp>
+      <p:sp>
+        <p:nvSpPr>
+          <p:cNvPr id="65" name="TextBox 62"/>
+          <p:cNvSpPr txBox="1"/>
+          <p:nvPr/>
+        </p:nvSpPr>
+        <p:spPr>
+          <a:xfrm>
+            <a:off x="194562" y="-10096"/>
+            <a:ext cx="799706" cy="369332"/>
+          </a:xfrm>
+          <a:prstGeom prst="rect">
+            <a:avLst/>
+          </a:prstGeom>
+          <a:noFill/>
+        </p:spPr>
+        <p:txBody>
+          <a:bodyPr wrap="none" rtlCol="0">
+            <a:spAutoFit/>
+          </a:bodyPr>
+          <a:lstStyle/>
+          <a:p>
+            <a:r>
+              <a:rPr lang="en-US" dirty="0"/>
+              <a:t>Delete</a:t>
+            </a:r>
+          </a:p>
+        </p:txBody>
+      </p:sp>
       <p:sp>
         <p:nvSpPr>
           <p:cNvPr id="2" name="Rectangle 62"/>

--- a/docs/diagrams/Diagrams.pptx
+++ b/docs/diagrams/Diagrams.pptx
@@ -30706,48 +30706,6 @@
       </p:sp>
       <p:cxnSp>
         <p:nvCxnSpPr>
-          <p:cNvPr id="55" name="Straight Arrow Connector 54"/>
-          <p:cNvCxnSpPr>
-            <a:stCxn id="62" idx="0"/>
-            <a:endCxn id="67" idx="2"/>
-          </p:cNvCxnSpPr>
-          <p:nvPr/>
-        </p:nvCxnSpPr>
-        <p:spPr>
-          <a:xfrm flipV="1">
-            <a:off x="6667770" y="2632344"/>
-            <a:ext cx="1612" cy="225722"/>
-          </a:xfrm>
-          <a:prstGeom prst="straightConnector1">
-            <a:avLst/>
-          </a:prstGeom>
-          <a:ln w="19050">
-            <a:solidFill>
-              <a:srgbClr val="7030A0"/>
-            </a:solidFill>
-            <a:prstDash val="sysDot"/>
-            <a:headEnd type="none" w="med" len="med"/>
-            <a:tailEnd type="arrow" w="med" len="med"/>
-          </a:ln>
-          <a:effectLst/>
-        </p:spPr>
-        <p:style>
-          <a:lnRef idx="1">
-            <a:schemeClr val="accent2"/>
-          </a:lnRef>
-          <a:fillRef idx="2">
-            <a:schemeClr val="accent2"/>
-          </a:fillRef>
-          <a:effectRef idx="1">
-            <a:schemeClr val="accent2"/>
-          </a:effectRef>
-          <a:fontRef idx="minor">
-            <a:schemeClr val="dk1"/>
-          </a:fontRef>
-        </p:style>
-      </p:cxnSp>
-      <p:cxnSp>
-        <p:nvCxnSpPr>
           <p:cNvPr id="58" name="Straight Arrow Connector 57"/>
           <p:cNvCxnSpPr>
             <a:stCxn id="42" idx="3"/>
@@ -31502,7 +31460,7 @@
         </p:nvSpPr>
         <p:spPr>
           <a:xfrm>
-            <a:off x="6315289" y="2285584"/>
+            <a:off x="5407158" y="1790539"/>
             <a:ext cx="708186" cy="346760"/>
           </a:xfrm>
           <a:prstGeom prst="rect">
@@ -31557,8 +31515,8 @@
           <p:nvPr/>
         </p:nvSpPr>
         <p:spPr>
-          <a:xfrm>
-            <a:off x="5672547" y="2371497"/>
+          <a:xfrm rot="16200000">
+            <a:off x="4953000" y="2081286"/>
             <a:ext cx="236048" cy="173380"/>
           </a:xfrm>
           <a:prstGeom prst="flowChartDecision">
@@ -31605,11 +31563,11 @@
           <p:nvPr/>
         </p:nvCxnSpPr>
         <p:spPr>
-          <a:xfrm>
-            <a:off x="5908595" y="2458187"/>
-            <a:ext cx="406694" cy="777"/>
-          </a:xfrm>
-          <a:prstGeom prst="bentConnector3">
+          <a:xfrm rot="5400000" flipH="1" flipV="1">
+            <a:off x="5196075" y="1838869"/>
+            <a:ext cx="86033" cy="336134"/>
+          </a:xfrm>
+          <a:prstGeom prst="bentConnector2">
             <a:avLst/>
           </a:prstGeom>
           <a:ln w="19050">
@@ -32312,8 +32270,8 @@
         </p:nvSpPr>
         <p:spPr>
           <a:xfrm rot="16200000">
-            <a:off x="6581354" y="3514530"/>
-            <a:ext cx="881018" cy="261610"/>
+            <a:off x="6528777" y="3567107"/>
+            <a:ext cx="986173" cy="261610"/>
           </a:xfrm>
           <a:prstGeom prst="rect">
             <a:avLst/>
@@ -32333,7 +32291,7 @@
                   <a:srgbClr val="7030A0"/>
                 </a:solidFill>
               </a:rPr>
-              <a:t>filtered list</a:t>
+              <a:t>filtered list - 1</a:t>
             </a:r>
             <a:endParaRPr lang="en-SG" sz="1100" dirty="0">
               <a:solidFill>
@@ -32906,6 +32864,250 @@
           </a:fontRef>
         </p:style>
       </p:cxnSp>
+      <p:cxnSp>
+        <p:nvCxnSpPr>
+          <p:cNvPr id="60" name="Elbow Connector 63"/>
+          <p:cNvCxnSpPr>
+            <a:stCxn id="62" idx="0"/>
+            <a:endCxn id="57" idx="3"/>
+          </p:cNvCxnSpPr>
+          <p:nvPr/>
+        </p:nvCxnSpPr>
+        <p:spPr>
+          <a:xfrm rot="16200000" flipV="1">
+            <a:off x="5961914" y="2152209"/>
+            <a:ext cx="404117" cy="1007597"/>
+          </a:xfrm>
+          <a:prstGeom prst="bentConnector2">
+            <a:avLst/>
+          </a:prstGeom>
+          <a:ln w="19050">
+            <a:solidFill>
+              <a:srgbClr val="7030A0"/>
+            </a:solidFill>
+            <a:headEnd type="none" w="med" len="med"/>
+            <a:tailEnd type="arrow" w="med" len="med"/>
+          </a:ln>
+          <a:effectLst/>
+        </p:spPr>
+        <p:style>
+          <a:lnRef idx="1">
+            <a:schemeClr val="accent2"/>
+          </a:lnRef>
+          <a:fillRef idx="2">
+            <a:schemeClr val="accent2"/>
+          </a:fillRef>
+          <a:effectRef idx="1">
+            <a:schemeClr val="accent2"/>
+          </a:effectRef>
+          <a:fontRef idx="minor">
+            <a:schemeClr val="dk1"/>
+          </a:fontRef>
+        </p:style>
+      </p:cxnSp>
+      <p:sp>
+        <p:nvSpPr>
+          <p:cNvPr id="11" name="TextBox 10"/>
+          <p:cNvSpPr txBox="1"/>
+          <p:nvPr/>
+        </p:nvSpPr>
+        <p:spPr>
+          <a:xfrm>
+            <a:off x="5161414" y="1734979"/>
+            <a:ext cx="248786" cy="246221"/>
+          </a:xfrm>
+          <a:prstGeom prst="rect">
+            <a:avLst/>
+          </a:prstGeom>
+          <a:noFill/>
+        </p:spPr>
+        <p:txBody>
+          <a:bodyPr wrap="none" rtlCol="0">
+            <a:spAutoFit/>
+          </a:bodyPr>
+          <a:lstStyle/>
+          <a:p>
+            <a:r>
+              <a:rPr lang="en-SG" sz="1000" dirty="0"/>
+              <a:t>*</a:t>
+            </a:r>
+          </a:p>
+        </p:txBody>
+      </p:sp>
+      <p:sp>
+        <p:nvSpPr>
+          <p:cNvPr id="70" name="TextBox 69"/>
+          <p:cNvSpPr txBox="1"/>
+          <p:nvPr/>
+        </p:nvSpPr>
+        <p:spPr>
+          <a:xfrm>
+            <a:off x="5715000" y="2420779"/>
+            <a:ext cx="250390" cy="246221"/>
+          </a:xfrm>
+          <a:prstGeom prst="rect">
+            <a:avLst/>
+          </a:prstGeom>
+          <a:noFill/>
+        </p:spPr>
+        <p:txBody>
+          <a:bodyPr wrap="none" rtlCol="0">
+            <a:spAutoFit/>
+          </a:bodyPr>
+          <a:lstStyle/>
+          <a:p>
+            <a:r>
+              <a:rPr lang="en-SG" sz="1000" dirty="0"/>
+              <a:t>1</a:t>
+            </a:r>
+          </a:p>
+        </p:txBody>
+      </p:sp>
+      <p:sp>
+        <p:nvSpPr>
+          <p:cNvPr id="74" name="TextBox 73"/>
+          <p:cNvSpPr txBox="1"/>
+          <p:nvPr/>
+        </p:nvSpPr>
+        <p:spPr>
+          <a:xfrm>
+            <a:off x="6079590" y="3060258"/>
+            <a:ext cx="248786" cy="246221"/>
+          </a:xfrm>
+          <a:prstGeom prst="rect">
+            <a:avLst/>
+          </a:prstGeom>
+          <a:noFill/>
+        </p:spPr>
+        <p:txBody>
+          <a:bodyPr wrap="none" rtlCol="0">
+            <a:spAutoFit/>
+          </a:bodyPr>
+          <a:lstStyle/>
+          <a:p>
+            <a:r>
+              <a:rPr lang="en-SG" sz="1000" dirty="0"/>
+              <a:t>*</a:t>
+            </a:r>
+          </a:p>
+        </p:txBody>
+      </p:sp>
+      <p:sp>
+        <p:nvSpPr>
+          <p:cNvPr id="77" name="TextBox 76"/>
+          <p:cNvSpPr txBox="1"/>
+          <p:nvPr/>
+        </p:nvSpPr>
+        <p:spPr>
+          <a:xfrm>
+            <a:off x="4215396" y="2230086"/>
+            <a:ext cx="250390" cy="246221"/>
+          </a:xfrm>
+          <a:prstGeom prst="rect">
+            <a:avLst/>
+          </a:prstGeom>
+          <a:noFill/>
+        </p:spPr>
+        <p:txBody>
+          <a:bodyPr wrap="none" rtlCol="0">
+            <a:spAutoFit/>
+          </a:bodyPr>
+          <a:lstStyle/>
+          <a:p>
+            <a:r>
+              <a:rPr lang="en-SG" sz="1000" dirty="0"/>
+              <a:t>1</a:t>
+            </a:r>
+          </a:p>
+        </p:txBody>
+      </p:sp>
+      <p:sp>
+        <p:nvSpPr>
+          <p:cNvPr id="82" name="TextBox 81"/>
+          <p:cNvSpPr txBox="1"/>
+          <p:nvPr/>
+        </p:nvSpPr>
+        <p:spPr>
+          <a:xfrm>
+            <a:off x="4245410" y="3030379"/>
+            <a:ext cx="250390" cy="246221"/>
+          </a:xfrm>
+          <a:prstGeom prst="rect">
+            <a:avLst/>
+          </a:prstGeom>
+          <a:noFill/>
+        </p:spPr>
+        <p:txBody>
+          <a:bodyPr wrap="none" rtlCol="0">
+            <a:spAutoFit/>
+          </a:bodyPr>
+          <a:lstStyle/>
+          <a:p>
+            <a:r>
+              <a:rPr lang="en-SG" sz="1000" dirty="0"/>
+              <a:t>1</a:t>
+            </a:r>
+          </a:p>
+        </p:txBody>
+      </p:sp>
+      <p:sp>
+        <p:nvSpPr>
+          <p:cNvPr id="87" name="TextBox 86"/>
+          <p:cNvSpPr txBox="1"/>
+          <p:nvPr/>
+        </p:nvSpPr>
+        <p:spPr>
+          <a:xfrm>
+            <a:off x="2642784" y="2499025"/>
+            <a:ext cx="250390" cy="246221"/>
+          </a:xfrm>
+          <a:prstGeom prst="rect">
+            <a:avLst/>
+          </a:prstGeom>
+          <a:noFill/>
+        </p:spPr>
+        <p:txBody>
+          <a:bodyPr wrap="none" rtlCol="0">
+            <a:spAutoFit/>
+          </a:bodyPr>
+          <a:lstStyle/>
+          <a:p>
+            <a:r>
+              <a:rPr lang="en-SG" sz="1000" dirty="0"/>
+              <a:t>1</a:t>
+            </a:r>
+          </a:p>
+        </p:txBody>
+      </p:sp>
+      <p:sp>
+        <p:nvSpPr>
+          <p:cNvPr id="88" name="TextBox 87"/>
+          <p:cNvSpPr txBox="1"/>
+          <p:nvPr/>
+        </p:nvSpPr>
+        <p:spPr>
+          <a:xfrm>
+            <a:off x="2643452" y="3394859"/>
+            <a:ext cx="250390" cy="246221"/>
+          </a:xfrm>
+          <a:prstGeom prst="rect">
+            <a:avLst/>
+          </a:prstGeom>
+          <a:noFill/>
+        </p:spPr>
+        <p:txBody>
+          <a:bodyPr wrap="none" rtlCol="0">
+            <a:spAutoFit/>
+          </a:bodyPr>
+          <a:lstStyle/>
+          <a:p>
+            <a:r>
+              <a:rPr lang="en-SG" sz="1000" dirty="0"/>
+              <a:t>1</a:t>
+            </a:r>
+          </a:p>
+        </p:txBody>
+      </p:sp>
     </p:spTree>
     <p:extLst>
       <p:ext uri="{BB962C8B-B14F-4D97-AF65-F5344CB8AC3E}">
